--- a/coursework/Sketches.pptx
+++ b/coursework/Sketches.pptx
@@ -3343,622 +3343,750 @@
           <a:chExt cx="0" cy="0"/>
         </a:xfrm>
       </p:grpSpPr>
-      <p:sp>
-        <p:nvSpPr>
-          <p:cNvPr id="4" name="Rectangle 3">
+      <p:grpSp>
+        <p:nvGrpSpPr>
+          <p:cNvPr id="39" name="Group 38">
             <a:extLst>
               <a:ext uri="{FF2B5EF4-FFF2-40B4-BE49-F238E27FC236}">
-                <a16:creationId xmlns:a16="http://schemas.microsoft.com/office/drawing/2014/main" id="{6D70DBB9-5B39-4A6C-AC12-33578E926F7A}"/>
+                <a16:creationId xmlns:a16="http://schemas.microsoft.com/office/drawing/2014/main" id="{3A3A8B4B-443B-4558-9245-1D64412A2794}"/>
               </a:ext>
             </a:extLst>
           </p:cNvPr>
-          <p:cNvSpPr/>
+          <p:cNvGrpSpPr/>
           <p:nvPr/>
-        </p:nvSpPr>
-        <p:spPr>
+        </p:nvGrpSpPr>
+        <p:grpSpPr>
           <a:xfrm>
             <a:off x="0" y="0"/>
-            <a:ext cx="1866900" cy="923413"/>
+            <a:ext cx="11201401" cy="5540478"/>
+            <a:chOff x="0" y="0"/>
+            <a:chExt cx="11201401" cy="5540478"/>
           </a:xfrm>
-          <a:prstGeom prst="rect">
-            <a:avLst/>
-          </a:prstGeom>
-        </p:spPr>
-        <p:style>
-          <a:lnRef idx="2">
-            <a:schemeClr val="accent1">
-              <a:shade val="50000"/>
-            </a:schemeClr>
-          </a:lnRef>
-          <a:fillRef idx="1">
-            <a:schemeClr val="accent1"/>
-          </a:fillRef>
-          <a:effectRef idx="0">
-            <a:schemeClr val="accent1"/>
-          </a:effectRef>
-          <a:fontRef idx="minor">
-            <a:schemeClr val="lt1"/>
-          </a:fontRef>
-        </p:style>
-        <p:txBody>
-          <a:bodyPr rtlCol="0" anchor="ctr"/>
-          <a:lstStyle/>
-          <a:p>
-            <a:pPr algn="ctr"/>
-            <a:r>
-              <a:rPr lang="en-GB" dirty="0"/>
-              <a:t>Start</a:t>
-            </a:r>
-          </a:p>
-        </p:txBody>
-      </p:sp>
-      <p:sp>
-        <p:nvSpPr>
-          <p:cNvPr id="5" name="Rectangle 4">
-            <a:extLst>
-              <a:ext uri="{FF2B5EF4-FFF2-40B4-BE49-F238E27FC236}">
-                <a16:creationId xmlns:a16="http://schemas.microsoft.com/office/drawing/2014/main" id="{CA2EBADD-13EB-4265-B42C-C1CCA5798C12}"/>
-              </a:ext>
-            </a:extLst>
-          </p:cNvPr>
-          <p:cNvSpPr/>
-          <p:nvPr/>
-        </p:nvSpPr>
-        <p:spPr>
-          <a:xfrm>
-            <a:off x="1866900" y="923413"/>
-            <a:ext cx="1866900" cy="923413"/>
-          </a:xfrm>
-          <a:prstGeom prst="rect">
-            <a:avLst/>
-          </a:prstGeom>
-        </p:spPr>
-        <p:style>
-          <a:lnRef idx="2">
-            <a:schemeClr val="accent1">
-              <a:shade val="50000"/>
-            </a:schemeClr>
-          </a:lnRef>
-          <a:fillRef idx="1">
-            <a:schemeClr val="accent1"/>
-          </a:fillRef>
-          <a:effectRef idx="0">
-            <a:schemeClr val="accent1"/>
-          </a:effectRef>
-          <a:fontRef idx="minor">
-            <a:schemeClr val="lt1"/>
-          </a:fontRef>
-        </p:style>
-        <p:txBody>
-          <a:bodyPr rtlCol="0" anchor="ctr"/>
-          <a:lstStyle/>
-          <a:p>
-            <a:pPr algn="ctr"/>
-            <a:r>
-              <a:rPr lang="en-GB" dirty="0"/>
-              <a:t>Get enciphered text</a:t>
-            </a:r>
-          </a:p>
-        </p:txBody>
-      </p:sp>
-      <p:sp>
-        <p:nvSpPr>
-          <p:cNvPr id="6" name="Rectangle 5">
-            <a:extLst>
-              <a:ext uri="{FF2B5EF4-FFF2-40B4-BE49-F238E27FC236}">
-                <a16:creationId xmlns:a16="http://schemas.microsoft.com/office/drawing/2014/main" id="{C2C8EDD5-FC48-42B6-A3FF-444F934E78E8}"/>
-              </a:ext>
-            </a:extLst>
-          </p:cNvPr>
-          <p:cNvSpPr/>
-          <p:nvPr/>
-        </p:nvSpPr>
-        <p:spPr>
-          <a:xfrm>
-            <a:off x="3733800" y="1846826"/>
-            <a:ext cx="1866900" cy="923413"/>
-          </a:xfrm>
-          <a:prstGeom prst="rect">
-            <a:avLst/>
-          </a:prstGeom>
-        </p:spPr>
-        <p:style>
-          <a:lnRef idx="2">
-            <a:schemeClr val="accent1">
-              <a:shade val="50000"/>
-            </a:schemeClr>
-          </a:lnRef>
-          <a:fillRef idx="1">
-            <a:schemeClr val="accent1"/>
-          </a:fillRef>
-          <a:effectRef idx="0">
-            <a:schemeClr val="accent1"/>
-          </a:effectRef>
-          <a:fontRef idx="minor">
-            <a:schemeClr val="lt1"/>
-          </a:fontRef>
-        </p:style>
-        <p:txBody>
-          <a:bodyPr rtlCol="0" anchor="ctr"/>
-          <a:lstStyle/>
-          <a:p>
-            <a:pPr algn="ctr"/>
-            <a:r>
-              <a:rPr lang="en-GB" dirty="0"/>
-              <a:t>Set up decipherer</a:t>
-            </a:r>
-          </a:p>
-        </p:txBody>
-      </p:sp>
-      <p:sp>
-        <p:nvSpPr>
-          <p:cNvPr id="8" name="Rectangle 7">
-            <a:extLst>
-              <a:ext uri="{FF2B5EF4-FFF2-40B4-BE49-F238E27FC236}">
-                <a16:creationId xmlns:a16="http://schemas.microsoft.com/office/drawing/2014/main" id="{B17EBEA0-6987-49AE-AC49-47F285EB23A1}"/>
-              </a:ext>
-            </a:extLst>
-          </p:cNvPr>
-          <p:cNvSpPr/>
-          <p:nvPr/>
-        </p:nvSpPr>
-        <p:spPr>
-          <a:xfrm>
-            <a:off x="5600700" y="2770239"/>
-            <a:ext cx="1866900" cy="923413"/>
-          </a:xfrm>
-          <a:prstGeom prst="rect">
-            <a:avLst/>
-          </a:prstGeom>
-        </p:spPr>
-        <p:style>
-          <a:lnRef idx="2">
-            <a:schemeClr val="accent1">
-              <a:shade val="50000"/>
-            </a:schemeClr>
-          </a:lnRef>
-          <a:fillRef idx="1">
-            <a:schemeClr val="accent1"/>
-          </a:fillRef>
-          <a:effectRef idx="0">
-            <a:schemeClr val="accent1"/>
-          </a:effectRef>
-          <a:fontRef idx="minor">
-            <a:schemeClr val="lt1"/>
-          </a:fontRef>
-        </p:style>
-        <p:txBody>
-          <a:bodyPr rtlCol="0" anchor="ctr"/>
-          <a:lstStyle/>
-          <a:p>
-            <a:pPr algn="ctr"/>
-            <a:r>
-              <a:rPr lang="en-GB" dirty="0"/>
-              <a:t>Apply brute-force algorithm</a:t>
-            </a:r>
-          </a:p>
-        </p:txBody>
-      </p:sp>
-      <p:sp>
-        <p:nvSpPr>
-          <p:cNvPr id="9" name="Rectangle 8">
-            <a:extLst>
-              <a:ext uri="{FF2B5EF4-FFF2-40B4-BE49-F238E27FC236}">
-                <a16:creationId xmlns:a16="http://schemas.microsoft.com/office/drawing/2014/main" id="{C8465C23-22E0-4385-AE70-ED7431C9DCDC}"/>
-              </a:ext>
-            </a:extLst>
-          </p:cNvPr>
-          <p:cNvSpPr/>
-          <p:nvPr/>
-        </p:nvSpPr>
-        <p:spPr>
-          <a:xfrm>
-            <a:off x="7467600" y="3693652"/>
-            <a:ext cx="1866900" cy="923413"/>
-          </a:xfrm>
-          <a:prstGeom prst="rect">
-            <a:avLst/>
-          </a:prstGeom>
-        </p:spPr>
-        <p:style>
-          <a:lnRef idx="2">
-            <a:schemeClr val="accent1">
-              <a:shade val="50000"/>
-            </a:schemeClr>
-          </a:lnRef>
-          <a:fillRef idx="1">
-            <a:schemeClr val="accent1"/>
-          </a:fillRef>
-          <a:effectRef idx="0">
-            <a:schemeClr val="accent1"/>
-          </a:effectRef>
-          <a:fontRef idx="minor">
-            <a:schemeClr val="lt1"/>
-          </a:fontRef>
-        </p:style>
-        <p:txBody>
-          <a:bodyPr rtlCol="0" anchor="ctr"/>
-          <a:lstStyle/>
-          <a:p>
-            <a:pPr algn="ctr"/>
-            <a:r>
-              <a:rPr lang="en-GB" dirty="0"/>
-              <a:t>Successfully deciphered?</a:t>
-            </a:r>
-          </a:p>
-        </p:txBody>
-      </p:sp>
-      <p:cxnSp>
-        <p:nvCxnSpPr>
-          <p:cNvPr id="15" name="Connector: Elbow 14">
-            <a:extLst>
-              <a:ext uri="{FF2B5EF4-FFF2-40B4-BE49-F238E27FC236}">
-                <a16:creationId xmlns:a16="http://schemas.microsoft.com/office/drawing/2014/main" id="{5133F691-A5AD-449F-9FE0-824D14826358}"/>
-              </a:ext>
-            </a:extLst>
-          </p:cNvPr>
-          <p:cNvCxnSpPr>
-            <a:stCxn id="4" idx="3"/>
-            <a:endCxn id="5" idx="0"/>
-          </p:cNvCxnSpPr>
-          <p:nvPr/>
-        </p:nvCxnSpPr>
-        <p:spPr>
-          <a:xfrm>
-            <a:off x="1866900" y="461707"/>
-            <a:ext cx="933450" cy="461706"/>
-          </a:xfrm>
-          <a:prstGeom prst="bentConnector2">
-            <a:avLst/>
-          </a:prstGeom>
-          <a:ln>
-            <a:tailEnd type="triangle"/>
-          </a:ln>
-        </p:spPr>
-        <p:style>
-          <a:lnRef idx="1">
-            <a:schemeClr val="accent1"/>
-          </a:lnRef>
-          <a:fillRef idx="0">
-            <a:schemeClr val="accent1"/>
-          </a:fillRef>
-          <a:effectRef idx="0">
-            <a:schemeClr val="accent1"/>
-          </a:effectRef>
-          <a:fontRef idx="minor">
-            <a:schemeClr val="tx1"/>
-          </a:fontRef>
-        </p:style>
-      </p:cxnSp>
-      <p:cxnSp>
-        <p:nvCxnSpPr>
-          <p:cNvPr id="17" name="Connector: Elbow 16">
-            <a:extLst>
-              <a:ext uri="{FF2B5EF4-FFF2-40B4-BE49-F238E27FC236}">
-                <a16:creationId xmlns:a16="http://schemas.microsoft.com/office/drawing/2014/main" id="{2EA58C46-B43F-4433-8E4A-3F54FD73461D}"/>
-              </a:ext>
-            </a:extLst>
-          </p:cNvPr>
-          <p:cNvCxnSpPr>
-            <a:stCxn id="5" idx="3"/>
-            <a:endCxn id="6" idx="0"/>
-          </p:cNvCxnSpPr>
-          <p:nvPr/>
-        </p:nvCxnSpPr>
-        <p:spPr>
-          <a:xfrm>
-            <a:off x="3733800" y="1385120"/>
-            <a:ext cx="933450" cy="461706"/>
-          </a:xfrm>
-          <a:prstGeom prst="bentConnector2">
-            <a:avLst/>
-          </a:prstGeom>
-          <a:ln>
-            <a:tailEnd type="triangle"/>
-          </a:ln>
-        </p:spPr>
-        <p:style>
-          <a:lnRef idx="1">
-            <a:schemeClr val="accent1"/>
-          </a:lnRef>
-          <a:fillRef idx="0">
-            <a:schemeClr val="accent1"/>
-          </a:fillRef>
-          <a:effectRef idx="0">
-            <a:schemeClr val="accent1"/>
-          </a:effectRef>
-          <a:fontRef idx="minor">
-            <a:schemeClr val="tx1"/>
-          </a:fontRef>
-        </p:style>
-      </p:cxnSp>
-      <p:cxnSp>
-        <p:nvCxnSpPr>
-          <p:cNvPr id="19" name="Connector: Elbow 18">
-            <a:extLst>
-              <a:ext uri="{FF2B5EF4-FFF2-40B4-BE49-F238E27FC236}">
-                <a16:creationId xmlns:a16="http://schemas.microsoft.com/office/drawing/2014/main" id="{504C05FF-9F47-4523-9AE3-03F46245DEA4}"/>
-              </a:ext>
-            </a:extLst>
-          </p:cNvPr>
-          <p:cNvCxnSpPr>
-            <a:stCxn id="6" idx="3"/>
-            <a:endCxn id="8" idx="0"/>
-          </p:cNvCxnSpPr>
-          <p:nvPr/>
-        </p:nvCxnSpPr>
-        <p:spPr>
-          <a:xfrm>
-            <a:off x="5600700" y="2308533"/>
-            <a:ext cx="933450" cy="461706"/>
-          </a:xfrm>
-          <a:prstGeom prst="bentConnector2">
-            <a:avLst/>
-          </a:prstGeom>
-          <a:ln>
-            <a:tailEnd type="triangle"/>
-          </a:ln>
-        </p:spPr>
-        <p:style>
-          <a:lnRef idx="1">
-            <a:schemeClr val="accent1"/>
-          </a:lnRef>
-          <a:fillRef idx="0">
-            <a:schemeClr val="accent1"/>
-          </a:fillRef>
-          <a:effectRef idx="0">
-            <a:schemeClr val="accent1"/>
-          </a:effectRef>
-          <a:fontRef idx="minor">
-            <a:schemeClr val="tx1"/>
-          </a:fontRef>
-        </p:style>
-      </p:cxnSp>
-      <p:cxnSp>
-        <p:nvCxnSpPr>
-          <p:cNvPr id="25" name="Connector: Elbow 24">
-            <a:extLst>
-              <a:ext uri="{FF2B5EF4-FFF2-40B4-BE49-F238E27FC236}">
-                <a16:creationId xmlns:a16="http://schemas.microsoft.com/office/drawing/2014/main" id="{B9219820-AA6F-4324-94D8-2B60587FB674}"/>
-              </a:ext>
-            </a:extLst>
-          </p:cNvPr>
-          <p:cNvCxnSpPr>
-            <a:stCxn id="8" idx="3"/>
-            <a:endCxn id="9" idx="0"/>
-          </p:cNvCxnSpPr>
-          <p:nvPr/>
-        </p:nvCxnSpPr>
-        <p:spPr>
-          <a:xfrm>
-            <a:off x="7467600" y="3231946"/>
-            <a:ext cx="933450" cy="461706"/>
-          </a:xfrm>
-          <a:prstGeom prst="bentConnector2">
-            <a:avLst/>
-          </a:prstGeom>
-          <a:ln>
-            <a:tailEnd type="triangle"/>
-          </a:ln>
-        </p:spPr>
-        <p:style>
-          <a:lnRef idx="1">
-            <a:schemeClr val="accent1"/>
-          </a:lnRef>
-          <a:fillRef idx="0">
-            <a:schemeClr val="accent1"/>
-          </a:fillRef>
-          <a:effectRef idx="0">
-            <a:schemeClr val="accent1"/>
-          </a:effectRef>
-          <a:fontRef idx="minor">
-            <a:schemeClr val="tx1"/>
-          </a:fontRef>
-        </p:style>
-      </p:cxnSp>
-      <p:cxnSp>
-        <p:nvCxnSpPr>
-          <p:cNvPr id="27" name="Connector: Elbow 26">
-            <a:extLst>
-              <a:ext uri="{FF2B5EF4-FFF2-40B4-BE49-F238E27FC236}">
-                <a16:creationId xmlns:a16="http://schemas.microsoft.com/office/drawing/2014/main" id="{CA555531-FFB9-4769-9BB7-E427FF2A0475}"/>
-              </a:ext>
-            </a:extLst>
-          </p:cNvPr>
-          <p:cNvCxnSpPr>
-            <a:stCxn id="9" idx="1"/>
-            <a:endCxn id="8" idx="2"/>
-          </p:cNvCxnSpPr>
-          <p:nvPr/>
-        </p:nvCxnSpPr>
-        <p:spPr>
-          <a:xfrm rot="10800000">
-            <a:off x="6534150" y="3693653"/>
-            <a:ext cx="933450" cy="461707"/>
-          </a:xfrm>
-          <a:prstGeom prst="bentConnector2">
-            <a:avLst/>
-          </a:prstGeom>
-          <a:ln>
-            <a:tailEnd type="triangle"/>
-          </a:ln>
-        </p:spPr>
-        <p:style>
-          <a:lnRef idx="1">
-            <a:schemeClr val="accent1"/>
-          </a:lnRef>
-          <a:fillRef idx="0">
-            <a:schemeClr val="accent1"/>
-          </a:fillRef>
-          <a:effectRef idx="0">
-            <a:schemeClr val="accent1"/>
-          </a:effectRef>
-          <a:fontRef idx="minor">
-            <a:schemeClr val="tx1"/>
-          </a:fontRef>
-        </p:style>
-      </p:cxnSp>
-      <p:sp>
-        <p:nvSpPr>
-          <p:cNvPr id="28" name="TextBox 27">
-            <a:extLst>
-              <a:ext uri="{FF2B5EF4-FFF2-40B4-BE49-F238E27FC236}">
-                <a16:creationId xmlns:a16="http://schemas.microsoft.com/office/drawing/2014/main" id="{2AC37681-05CA-47F7-B585-69341A95BEBE}"/>
-              </a:ext>
-            </a:extLst>
-          </p:cNvPr>
-          <p:cNvSpPr txBox="1"/>
-          <p:nvPr/>
-        </p:nvSpPr>
-        <p:spPr>
-          <a:xfrm>
-            <a:off x="6661148" y="4140503"/>
-            <a:ext cx="679451" cy="369332"/>
-          </a:xfrm>
-          <a:prstGeom prst="rect">
-            <a:avLst/>
-          </a:prstGeom>
-          <a:noFill/>
-        </p:spPr>
-        <p:txBody>
-          <a:bodyPr wrap="square" rtlCol="0">
-            <a:spAutoFit/>
-          </a:bodyPr>
-          <a:lstStyle/>
-          <a:p>
-            <a:r>
-              <a:rPr lang="en-GB" dirty="0"/>
-              <a:t>No</a:t>
-            </a:r>
-          </a:p>
-        </p:txBody>
-      </p:sp>
-      <p:sp>
-        <p:nvSpPr>
-          <p:cNvPr id="29" name="Rectangle 28">
-            <a:extLst>
-              <a:ext uri="{FF2B5EF4-FFF2-40B4-BE49-F238E27FC236}">
-                <a16:creationId xmlns:a16="http://schemas.microsoft.com/office/drawing/2014/main" id="{7D91E559-F76D-48F0-BAF8-F4313537E0BF}"/>
-              </a:ext>
-            </a:extLst>
-          </p:cNvPr>
-          <p:cNvSpPr/>
-          <p:nvPr/>
-        </p:nvSpPr>
-        <p:spPr>
-          <a:xfrm>
-            <a:off x="9334501" y="4617065"/>
-            <a:ext cx="1866900" cy="923413"/>
-          </a:xfrm>
-          <a:prstGeom prst="rect">
-            <a:avLst/>
-          </a:prstGeom>
-        </p:spPr>
-        <p:style>
-          <a:lnRef idx="2">
-            <a:schemeClr val="accent1">
-              <a:shade val="50000"/>
-            </a:schemeClr>
-          </a:lnRef>
-          <a:fillRef idx="1">
-            <a:schemeClr val="accent1"/>
-          </a:fillRef>
-          <a:effectRef idx="0">
-            <a:schemeClr val="accent1"/>
-          </a:effectRef>
-          <a:fontRef idx="minor">
-            <a:schemeClr val="lt1"/>
-          </a:fontRef>
-        </p:style>
-        <p:txBody>
-          <a:bodyPr rtlCol="0" anchor="ctr"/>
-          <a:lstStyle/>
-          <a:p>
-            <a:pPr algn="ctr"/>
-            <a:r>
-              <a:rPr lang="en-GB" dirty="0"/>
-              <a:t>End</a:t>
-            </a:r>
-          </a:p>
-        </p:txBody>
-      </p:sp>
-      <p:cxnSp>
-        <p:nvCxnSpPr>
-          <p:cNvPr id="31" name="Connector: Elbow 30">
-            <a:extLst>
-              <a:ext uri="{FF2B5EF4-FFF2-40B4-BE49-F238E27FC236}">
-                <a16:creationId xmlns:a16="http://schemas.microsoft.com/office/drawing/2014/main" id="{2536EC6C-48E5-455C-8524-5347DCAB17E2}"/>
-              </a:ext>
-            </a:extLst>
-          </p:cNvPr>
-          <p:cNvCxnSpPr>
-            <a:stCxn id="9" idx="3"/>
-            <a:endCxn id="29" idx="0"/>
-          </p:cNvCxnSpPr>
-          <p:nvPr/>
-        </p:nvCxnSpPr>
-        <p:spPr>
-          <a:xfrm>
-            <a:off x="9334500" y="4155359"/>
-            <a:ext cx="933451" cy="461706"/>
-          </a:xfrm>
-          <a:prstGeom prst="bentConnector2">
-            <a:avLst/>
-          </a:prstGeom>
-          <a:ln>
-            <a:tailEnd type="triangle"/>
-          </a:ln>
-        </p:spPr>
-        <p:style>
-          <a:lnRef idx="1">
-            <a:schemeClr val="accent1"/>
-          </a:lnRef>
-          <a:fillRef idx="0">
-            <a:schemeClr val="accent1"/>
-          </a:fillRef>
-          <a:effectRef idx="0">
-            <a:schemeClr val="accent1"/>
-          </a:effectRef>
-          <a:fontRef idx="minor">
-            <a:schemeClr val="tx1"/>
-          </a:fontRef>
-        </p:style>
-      </p:cxnSp>
-      <p:sp>
-        <p:nvSpPr>
-          <p:cNvPr id="32" name="TextBox 31">
-            <a:extLst>
-              <a:ext uri="{FF2B5EF4-FFF2-40B4-BE49-F238E27FC236}">
-                <a16:creationId xmlns:a16="http://schemas.microsoft.com/office/drawing/2014/main" id="{26D882B0-C2DE-418A-A371-BFA8A581B1E9}"/>
-              </a:ext>
-            </a:extLst>
-          </p:cNvPr>
-          <p:cNvSpPr txBox="1"/>
-          <p:nvPr/>
-        </p:nvSpPr>
-        <p:spPr>
-          <a:xfrm>
-            <a:off x="9588499" y="3796465"/>
-            <a:ext cx="679451" cy="369332"/>
-          </a:xfrm>
-          <a:prstGeom prst="rect">
-            <a:avLst/>
-          </a:prstGeom>
-          <a:noFill/>
-        </p:spPr>
-        <p:txBody>
-          <a:bodyPr wrap="square" rtlCol="0">
-            <a:spAutoFit/>
-          </a:bodyPr>
-          <a:lstStyle/>
-          <a:p>
-            <a:r>
-              <a:rPr lang="en-GB" dirty="0"/>
-              <a:t>Yes</a:t>
-            </a:r>
-          </a:p>
-        </p:txBody>
-      </p:sp>
+        </p:grpSpPr>
+        <p:grpSp>
+          <p:nvGrpSpPr>
+            <p:cNvPr id="33" name="Group 32">
+              <a:extLst>
+                <a:ext uri="{FF2B5EF4-FFF2-40B4-BE49-F238E27FC236}">
+                  <a16:creationId xmlns:a16="http://schemas.microsoft.com/office/drawing/2014/main" id="{A03B4C91-25A2-47C3-A9D0-0C756D6F0584}"/>
+                </a:ext>
+              </a:extLst>
+            </p:cNvPr>
+            <p:cNvGrpSpPr/>
+            <p:nvPr/>
+          </p:nvGrpSpPr>
+          <p:grpSpPr>
+            <a:xfrm>
+              <a:off x="0" y="0"/>
+              <a:ext cx="11201401" cy="5540478"/>
+              <a:chOff x="0" y="0"/>
+              <a:chExt cx="11201401" cy="5540478"/>
+            </a:xfrm>
+          </p:grpSpPr>
+          <p:sp>
+            <p:nvSpPr>
+              <p:cNvPr id="4" name="Rectangle 3">
+                <a:extLst>
+                  <a:ext uri="{FF2B5EF4-FFF2-40B4-BE49-F238E27FC236}">
+                    <a16:creationId xmlns:a16="http://schemas.microsoft.com/office/drawing/2014/main" id="{6D70DBB9-5B39-4A6C-AC12-33578E926F7A}"/>
+                  </a:ext>
+                </a:extLst>
+              </p:cNvPr>
+              <p:cNvSpPr/>
+              <p:nvPr/>
+            </p:nvSpPr>
+            <p:spPr>
+              <a:xfrm>
+                <a:off x="0" y="0"/>
+                <a:ext cx="1866900" cy="923413"/>
+              </a:xfrm>
+              <a:prstGeom prst="rect">
+                <a:avLst/>
+              </a:prstGeom>
+            </p:spPr>
+            <p:style>
+              <a:lnRef idx="2">
+                <a:schemeClr val="accent1">
+                  <a:shade val="50000"/>
+                </a:schemeClr>
+              </a:lnRef>
+              <a:fillRef idx="1">
+                <a:schemeClr val="accent1"/>
+              </a:fillRef>
+              <a:effectRef idx="0">
+                <a:schemeClr val="accent1"/>
+              </a:effectRef>
+              <a:fontRef idx="minor">
+                <a:schemeClr val="lt1"/>
+              </a:fontRef>
+            </p:style>
+            <p:txBody>
+              <a:bodyPr rtlCol="0" anchor="ctr"/>
+              <a:lstStyle/>
+              <a:p>
+                <a:pPr algn="ctr"/>
+                <a:r>
+                  <a:rPr lang="en-GB" dirty="0"/>
+                  <a:t>Start</a:t>
+                </a:r>
+              </a:p>
+            </p:txBody>
+          </p:sp>
+          <p:sp>
+            <p:nvSpPr>
+              <p:cNvPr id="5" name="Rectangle 4">
+                <a:extLst>
+                  <a:ext uri="{FF2B5EF4-FFF2-40B4-BE49-F238E27FC236}">
+                    <a16:creationId xmlns:a16="http://schemas.microsoft.com/office/drawing/2014/main" id="{CA2EBADD-13EB-4265-B42C-C1CCA5798C12}"/>
+                  </a:ext>
+                </a:extLst>
+              </p:cNvPr>
+              <p:cNvSpPr/>
+              <p:nvPr/>
+            </p:nvSpPr>
+            <p:spPr>
+              <a:xfrm>
+                <a:off x="1866900" y="923413"/>
+                <a:ext cx="1866900" cy="923413"/>
+              </a:xfrm>
+              <a:prstGeom prst="rect">
+                <a:avLst/>
+              </a:prstGeom>
+            </p:spPr>
+            <p:style>
+              <a:lnRef idx="2">
+                <a:schemeClr val="accent1">
+                  <a:shade val="50000"/>
+                </a:schemeClr>
+              </a:lnRef>
+              <a:fillRef idx="1">
+                <a:schemeClr val="accent1"/>
+              </a:fillRef>
+              <a:effectRef idx="0">
+                <a:schemeClr val="accent1"/>
+              </a:effectRef>
+              <a:fontRef idx="minor">
+                <a:schemeClr val="lt1"/>
+              </a:fontRef>
+            </p:style>
+            <p:txBody>
+              <a:bodyPr rtlCol="0" anchor="ctr"/>
+              <a:lstStyle/>
+              <a:p>
+                <a:pPr algn="ctr"/>
+                <a:r>
+                  <a:rPr lang="en-GB" dirty="0"/>
+                  <a:t>Get enciphered text</a:t>
+                </a:r>
+              </a:p>
+            </p:txBody>
+          </p:sp>
+          <p:sp>
+            <p:nvSpPr>
+              <p:cNvPr id="6" name="Rectangle 5">
+                <a:extLst>
+                  <a:ext uri="{FF2B5EF4-FFF2-40B4-BE49-F238E27FC236}">
+                    <a16:creationId xmlns:a16="http://schemas.microsoft.com/office/drawing/2014/main" id="{C2C8EDD5-FC48-42B6-A3FF-444F934E78E8}"/>
+                  </a:ext>
+                </a:extLst>
+              </p:cNvPr>
+              <p:cNvSpPr/>
+              <p:nvPr/>
+            </p:nvSpPr>
+            <p:spPr>
+              <a:xfrm>
+                <a:off x="3733800" y="1846826"/>
+                <a:ext cx="1866900" cy="923413"/>
+              </a:xfrm>
+              <a:prstGeom prst="rect">
+                <a:avLst/>
+              </a:prstGeom>
+            </p:spPr>
+            <p:style>
+              <a:lnRef idx="2">
+                <a:schemeClr val="accent1">
+                  <a:shade val="50000"/>
+                </a:schemeClr>
+              </a:lnRef>
+              <a:fillRef idx="1">
+                <a:schemeClr val="accent1"/>
+              </a:fillRef>
+              <a:effectRef idx="0">
+                <a:schemeClr val="accent1"/>
+              </a:effectRef>
+              <a:fontRef idx="minor">
+                <a:schemeClr val="lt1"/>
+              </a:fontRef>
+            </p:style>
+            <p:txBody>
+              <a:bodyPr rtlCol="0" anchor="ctr"/>
+              <a:lstStyle/>
+              <a:p>
+                <a:pPr algn="ctr"/>
+                <a:r>
+                  <a:rPr lang="en-GB" dirty="0"/>
+                  <a:t>Set up decipherer</a:t>
+                </a:r>
+              </a:p>
+            </p:txBody>
+          </p:sp>
+          <p:sp>
+            <p:nvSpPr>
+              <p:cNvPr id="8" name="Rectangle 7">
+                <a:extLst>
+                  <a:ext uri="{FF2B5EF4-FFF2-40B4-BE49-F238E27FC236}">
+                    <a16:creationId xmlns:a16="http://schemas.microsoft.com/office/drawing/2014/main" id="{B17EBEA0-6987-49AE-AC49-47F285EB23A1}"/>
+                  </a:ext>
+                </a:extLst>
+              </p:cNvPr>
+              <p:cNvSpPr/>
+              <p:nvPr/>
+            </p:nvSpPr>
+            <p:spPr>
+              <a:xfrm>
+                <a:off x="5600700" y="2770239"/>
+                <a:ext cx="1866900" cy="923413"/>
+              </a:xfrm>
+              <a:prstGeom prst="rect">
+                <a:avLst/>
+              </a:prstGeom>
+            </p:spPr>
+            <p:style>
+              <a:lnRef idx="2">
+                <a:schemeClr val="accent1">
+                  <a:shade val="50000"/>
+                </a:schemeClr>
+              </a:lnRef>
+              <a:fillRef idx="1">
+                <a:schemeClr val="accent1"/>
+              </a:fillRef>
+              <a:effectRef idx="0">
+                <a:schemeClr val="accent1"/>
+              </a:effectRef>
+              <a:fontRef idx="minor">
+                <a:schemeClr val="lt1"/>
+              </a:fontRef>
+            </p:style>
+            <p:txBody>
+              <a:bodyPr rtlCol="0" anchor="ctr"/>
+              <a:lstStyle/>
+              <a:p>
+                <a:pPr algn="ctr"/>
+                <a:r>
+                  <a:rPr lang="en-GB" dirty="0"/>
+                  <a:t>Apply brute-force algorithm</a:t>
+                </a:r>
+              </a:p>
+            </p:txBody>
+          </p:sp>
+          <p:sp>
+            <p:nvSpPr>
+              <p:cNvPr id="9" name="Rectangle 8">
+                <a:extLst>
+                  <a:ext uri="{FF2B5EF4-FFF2-40B4-BE49-F238E27FC236}">
+                    <a16:creationId xmlns:a16="http://schemas.microsoft.com/office/drawing/2014/main" id="{C8465C23-22E0-4385-AE70-ED7431C9DCDC}"/>
+                  </a:ext>
+                </a:extLst>
+              </p:cNvPr>
+              <p:cNvSpPr/>
+              <p:nvPr/>
+            </p:nvSpPr>
+            <p:spPr>
+              <a:xfrm>
+                <a:off x="7467600" y="3693652"/>
+                <a:ext cx="1866900" cy="923413"/>
+              </a:xfrm>
+              <a:prstGeom prst="rect">
+                <a:avLst/>
+              </a:prstGeom>
+            </p:spPr>
+            <p:style>
+              <a:lnRef idx="2">
+                <a:schemeClr val="accent1">
+                  <a:shade val="50000"/>
+                </a:schemeClr>
+              </a:lnRef>
+              <a:fillRef idx="1">
+                <a:schemeClr val="accent1"/>
+              </a:fillRef>
+              <a:effectRef idx="0">
+                <a:schemeClr val="accent1"/>
+              </a:effectRef>
+              <a:fontRef idx="minor">
+                <a:schemeClr val="lt1"/>
+              </a:fontRef>
+            </p:style>
+            <p:txBody>
+              <a:bodyPr rtlCol="0" anchor="ctr"/>
+              <a:lstStyle/>
+              <a:p>
+                <a:pPr algn="ctr"/>
+                <a:r>
+                  <a:rPr lang="en-GB" dirty="0"/>
+                  <a:t>Successfully deciphered?</a:t>
+                </a:r>
+              </a:p>
+            </p:txBody>
+          </p:sp>
+          <p:cxnSp>
+            <p:nvCxnSpPr>
+              <p:cNvPr id="15" name="Connector: Elbow 14">
+                <a:extLst>
+                  <a:ext uri="{FF2B5EF4-FFF2-40B4-BE49-F238E27FC236}">
+                    <a16:creationId xmlns:a16="http://schemas.microsoft.com/office/drawing/2014/main" id="{5133F691-A5AD-449F-9FE0-824D14826358}"/>
+                  </a:ext>
+                </a:extLst>
+              </p:cNvPr>
+              <p:cNvCxnSpPr>
+                <a:stCxn id="4" idx="3"/>
+                <a:endCxn id="5" idx="0"/>
+              </p:cNvCxnSpPr>
+              <p:nvPr/>
+            </p:nvCxnSpPr>
+            <p:spPr>
+              <a:xfrm>
+                <a:off x="1866900" y="461707"/>
+                <a:ext cx="933450" cy="461706"/>
+              </a:xfrm>
+              <a:prstGeom prst="bentConnector2">
+                <a:avLst/>
+              </a:prstGeom>
+              <a:ln>
+                <a:tailEnd type="triangle"/>
+              </a:ln>
+            </p:spPr>
+            <p:style>
+              <a:lnRef idx="1">
+                <a:schemeClr val="accent1"/>
+              </a:lnRef>
+              <a:fillRef idx="0">
+                <a:schemeClr val="accent1"/>
+              </a:fillRef>
+              <a:effectRef idx="0">
+                <a:schemeClr val="accent1"/>
+              </a:effectRef>
+              <a:fontRef idx="minor">
+                <a:schemeClr val="tx1"/>
+              </a:fontRef>
+            </p:style>
+          </p:cxnSp>
+          <p:cxnSp>
+            <p:nvCxnSpPr>
+              <p:cNvPr id="17" name="Connector: Elbow 16">
+                <a:extLst>
+                  <a:ext uri="{FF2B5EF4-FFF2-40B4-BE49-F238E27FC236}">
+                    <a16:creationId xmlns:a16="http://schemas.microsoft.com/office/drawing/2014/main" id="{2EA58C46-B43F-4433-8E4A-3F54FD73461D}"/>
+                  </a:ext>
+                </a:extLst>
+              </p:cNvPr>
+              <p:cNvCxnSpPr>
+                <a:stCxn id="5" idx="3"/>
+                <a:endCxn id="6" idx="0"/>
+              </p:cNvCxnSpPr>
+              <p:nvPr/>
+            </p:nvCxnSpPr>
+            <p:spPr>
+              <a:xfrm>
+                <a:off x="3733800" y="1385120"/>
+                <a:ext cx="933450" cy="461706"/>
+              </a:xfrm>
+              <a:prstGeom prst="bentConnector2">
+                <a:avLst/>
+              </a:prstGeom>
+              <a:ln>
+                <a:tailEnd type="triangle"/>
+              </a:ln>
+            </p:spPr>
+            <p:style>
+              <a:lnRef idx="1">
+                <a:schemeClr val="accent1"/>
+              </a:lnRef>
+              <a:fillRef idx="0">
+                <a:schemeClr val="accent1"/>
+              </a:fillRef>
+              <a:effectRef idx="0">
+                <a:schemeClr val="accent1"/>
+              </a:effectRef>
+              <a:fontRef idx="minor">
+                <a:schemeClr val="tx1"/>
+              </a:fontRef>
+            </p:style>
+          </p:cxnSp>
+          <p:cxnSp>
+            <p:nvCxnSpPr>
+              <p:cNvPr id="19" name="Connector: Elbow 18">
+                <a:extLst>
+                  <a:ext uri="{FF2B5EF4-FFF2-40B4-BE49-F238E27FC236}">
+                    <a16:creationId xmlns:a16="http://schemas.microsoft.com/office/drawing/2014/main" id="{504C05FF-9F47-4523-9AE3-03F46245DEA4}"/>
+                  </a:ext>
+                </a:extLst>
+              </p:cNvPr>
+              <p:cNvCxnSpPr>
+                <a:stCxn id="6" idx="3"/>
+                <a:endCxn id="8" idx="0"/>
+              </p:cNvCxnSpPr>
+              <p:nvPr/>
+            </p:nvCxnSpPr>
+            <p:spPr>
+              <a:xfrm>
+                <a:off x="5600700" y="2308533"/>
+                <a:ext cx="933450" cy="461706"/>
+              </a:xfrm>
+              <a:prstGeom prst="bentConnector2">
+                <a:avLst/>
+              </a:prstGeom>
+              <a:ln>
+                <a:tailEnd type="triangle"/>
+              </a:ln>
+            </p:spPr>
+            <p:style>
+              <a:lnRef idx="1">
+                <a:schemeClr val="accent1"/>
+              </a:lnRef>
+              <a:fillRef idx="0">
+                <a:schemeClr val="accent1"/>
+              </a:fillRef>
+              <a:effectRef idx="0">
+                <a:schemeClr val="accent1"/>
+              </a:effectRef>
+              <a:fontRef idx="minor">
+                <a:schemeClr val="tx1"/>
+              </a:fontRef>
+            </p:style>
+          </p:cxnSp>
+          <p:cxnSp>
+            <p:nvCxnSpPr>
+              <p:cNvPr id="25" name="Connector: Elbow 24">
+                <a:extLst>
+                  <a:ext uri="{FF2B5EF4-FFF2-40B4-BE49-F238E27FC236}">
+                    <a16:creationId xmlns:a16="http://schemas.microsoft.com/office/drawing/2014/main" id="{B9219820-AA6F-4324-94D8-2B60587FB674}"/>
+                  </a:ext>
+                </a:extLst>
+              </p:cNvPr>
+              <p:cNvCxnSpPr>
+                <a:stCxn id="8" idx="3"/>
+                <a:endCxn id="9" idx="0"/>
+              </p:cNvCxnSpPr>
+              <p:nvPr/>
+            </p:nvCxnSpPr>
+            <p:spPr>
+              <a:xfrm>
+                <a:off x="7467600" y="3231946"/>
+                <a:ext cx="933450" cy="461706"/>
+              </a:xfrm>
+              <a:prstGeom prst="bentConnector2">
+                <a:avLst/>
+              </a:prstGeom>
+              <a:ln>
+                <a:tailEnd type="triangle"/>
+              </a:ln>
+            </p:spPr>
+            <p:style>
+              <a:lnRef idx="1">
+                <a:schemeClr val="accent1"/>
+              </a:lnRef>
+              <a:fillRef idx="0">
+                <a:schemeClr val="accent1"/>
+              </a:fillRef>
+              <a:effectRef idx="0">
+                <a:schemeClr val="accent1"/>
+              </a:effectRef>
+              <a:fontRef idx="minor">
+                <a:schemeClr val="tx1"/>
+              </a:fontRef>
+            </p:style>
+          </p:cxnSp>
+          <p:cxnSp>
+            <p:nvCxnSpPr>
+              <p:cNvPr id="27" name="Connector: Elbow 26">
+                <a:extLst>
+                  <a:ext uri="{FF2B5EF4-FFF2-40B4-BE49-F238E27FC236}">
+                    <a16:creationId xmlns:a16="http://schemas.microsoft.com/office/drawing/2014/main" id="{CA555531-FFB9-4769-9BB7-E427FF2A0475}"/>
+                  </a:ext>
+                </a:extLst>
+              </p:cNvPr>
+              <p:cNvCxnSpPr>
+                <a:stCxn id="9" idx="1"/>
+                <a:endCxn id="8" idx="2"/>
+              </p:cNvCxnSpPr>
+              <p:nvPr/>
+            </p:nvCxnSpPr>
+            <p:spPr>
+              <a:xfrm rot="10800000">
+                <a:off x="6534150" y="3693653"/>
+                <a:ext cx="933450" cy="461707"/>
+              </a:xfrm>
+              <a:prstGeom prst="bentConnector2">
+                <a:avLst/>
+              </a:prstGeom>
+              <a:ln>
+                <a:tailEnd type="triangle"/>
+              </a:ln>
+            </p:spPr>
+            <p:style>
+              <a:lnRef idx="1">
+                <a:schemeClr val="accent1"/>
+              </a:lnRef>
+              <a:fillRef idx="0">
+                <a:schemeClr val="accent1"/>
+              </a:fillRef>
+              <a:effectRef idx="0">
+                <a:schemeClr val="accent1"/>
+              </a:effectRef>
+              <a:fontRef idx="minor">
+                <a:schemeClr val="tx1"/>
+              </a:fontRef>
+            </p:style>
+          </p:cxnSp>
+          <p:sp>
+            <p:nvSpPr>
+              <p:cNvPr id="28" name="TextBox 27">
+                <a:extLst>
+                  <a:ext uri="{FF2B5EF4-FFF2-40B4-BE49-F238E27FC236}">
+                    <a16:creationId xmlns:a16="http://schemas.microsoft.com/office/drawing/2014/main" id="{2AC37681-05CA-47F7-B585-69341A95BEBE}"/>
+                  </a:ext>
+                </a:extLst>
+              </p:cNvPr>
+              <p:cNvSpPr txBox="1"/>
+              <p:nvPr/>
+            </p:nvSpPr>
+            <p:spPr>
+              <a:xfrm>
+                <a:off x="6661148" y="4140503"/>
+                <a:ext cx="679451" cy="369332"/>
+              </a:xfrm>
+              <a:prstGeom prst="rect">
+                <a:avLst/>
+              </a:prstGeom>
+              <a:noFill/>
+            </p:spPr>
+            <p:txBody>
+              <a:bodyPr wrap="square" rtlCol="0">
+                <a:spAutoFit/>
+              </a:bodyPr>
+              <a:lstStyle/>
+              <a:p>
+                <a:r>
+                  <a:rPr lang="en-GB" dirty="0"/>
+                  <a:t>No</a:t>
+                </a:r>
+              </a:p>
+            </p:txBody>
+          </p:sp>
+          <p:sp>
+            <p:nvSpPr>
+              <p:cNvPr id="29" name="Rectangle 28">
+                <a:extLst>
+                  <a:ext uri="{FF2B5EF4-FFF2-40B4-BE49-F238E27FC236}">
+                    <a16:creationId xmlns:a16="http://schemas.microsoft.com/office/drawing/2014/main" id="{7D91E559-F76D-48F0-BAF8-F4313537E0BF}"/>
+                  </a:ext>
+                </a:extLst>
+              </p:cNvPr>
+              <p:cNvSpPr/>
+              <p:nvPr/>
+            </p:nvSpPr>
+            <p:spPr>
+              <a:xfrm>
+                <a:off x="9334501" y="4617065"/>
+                <a:ext cx="1866900" cy="923413"/>
+              </a:xfrm>
+              <a:prstGeom prst="rect">
+                <a:avLst/>
+              </a:prstGeom>
+            </p:spPr>
+            <p:style>
+              <a:lnRef idx="2">
+                <a:schemeClr val="accent1">
+                  <a:shade val="50000"/>
+                </a:schemeClr>
+              </a:lnRef>
+              <a:fillRef idx="1">
+                <a:schemeClr val="accent1"/>
+              </a:fillRef>
+              <a:effectRef idx="0">
+                <a:schemeClr val="accent1"/>
+              </a:effectRef>
+              <a:fontRef idx="minor">
+                <a:schemeClr val="lt1"/>
+              </a:fontRef>
+            </p:style>
+            <p:txBody>
+              <a:bodyPr rtlCol="0" anchor="ctr"/>
+              <a:lstStyle/>
+              <a:p>
+                <a:pPr algn="ctr"/>
+                <a:r>
+                  <a:rPr lang="en-GB" dirty="0"/>
+                  <a:t>End</a:t>
+                </a:r>
+              </a:p>
+            </p:txBody>
+          </p:sp>
+          <p:cxnSp>
+            <p:nvCxnSpPr>
+              <p:cNvPr id="31" name="Connector: Elbow 30">
+                <a:extLst>
+                  <a:ext uri="{FF2B5EF4-FFF2-40B4-BE49-F238E27FC236}">
+                    <a16:creationId xmlns:a16="http://schemas.microsoft.com/office/drawing/2014/main" id="{2536EC6C-48E5-455C-8524-5347DCAB17E2}"/>
+                  </a:ext>
+                </a:extLst>
+              </p:cNvPr>
+              <p:cNvCxnSpPr>
+                <a:stCxn id="9" idx="3"/>
+                <a:endCxn id="29" idx="0"/>
+              </p:cNvCxnSpPr>
+              <p:nvPr/>
+            </p:nvCxnSpPr>
+            <p:spPr>
+              <a:xfrm>
+                <a:off x="9334500" y="4155359"/>
+                <a:ext cx="933451" cy="461706"/>
+              </a:xfrm>
+              <a:prstGeom prst="bentConnector2">
+                <a:avLst/>
+              </a:prstGeom>
+              <a:ln>
+                <a:tailEnd type="triangle"/>
+              </a:ln>
+            </p:spPr>
+            <p:style>
+              <a:lnRef idx="1">
+                <a:schemeClr val="accent1"/>
+              </a:lnRef>
+              <a:fillRef idx="0">
+                <a:schemeClr val="accent1"/>
+              </a:fillRef>
+              <a:effectRef idx="0">
+                <a:schemeClr val="accent1"/>
+              </a:effectRef>
+              <a:fontRef idx="minor">
+                <a:schemeClr val="tx1"/>
+              </a:fontRef>
+            </p:style>
+          </p:cxnSp>
+          <p:sp>
+            <p:nvSpPr>
+              <p:cNvPr id="32" name="TextBox 31">
+                <a:extLst>
+                  <a:ext uri="{FF2B5EF4-FFF2-40B4-BE49-F238E27FC236}">
+                    <a16:creationId xmlns:a16="http://schemas.microsoft.com/office/drawing/2014/main" id="{26D882B0-C2DE-418A-A371-BFA8A581B1E9}"/>
+                  </a:ext>
+                </a:extLst>
+              </p:cNvPr>
+              <p:cNvSpPr txBox="1"/>
+              <p:nvPr/>
+            </p:nvSpPr>
+            <p:spPr>
+              <a:xfrm>
+                <a:off x="9588499" y="3796465"/>
+                <a:ext cx="679451" cy="369332"/>
+              </a:xfrm>
+              <a:prstGeom prst="rect">
+                <a:avLst/>
+              </a:prstGeom>
+              <a:noFill/>
+            </p:spPr>
+            <p:txBody>
+              <a:bodyPr wrap="square" rtlCol="0">
+                <a:spAutoFit/>
+              </a:bodyPr>
+              <a:lstStyle/>
+              <a:p>
+                <a:r>
+                  <a:rPr lang="en-GB" dirty="0"/>
+                  <a:t>Yes</a:t>
+                </a:r>
+              </a:p>
+            </p:txBody>
+          </p:sp>
+        </p:grpSp>
+        <p:cxnSp>
+          <p:nvCxnSpPr>
+            <p:cNvPr id="35" name="Straight Connector 34">
+              <a:extLst>
+                <a:ext uri="{FF2B5EF4-FFF2-40B4-BE49-F238E27FC236}">
+                  <a16:creationId xmlns:a16="http://schemas.microsoft.com/office/drawing/2014/main" id="{ECE3C45B-811C-423F-925A-DBA3A94F6FDE}"/>
+                </a:ext>
+              </a:extLst>
+            </p:cNvPr>
+            <p:cNvCxnSpPr>
+              <a:cxnSpLocks/>
+            </p:cNvCxnSpPr>
+            <p:nvPr/>
+          </p:nvCxnSpPr>
+          <p:spPr>
+            <a:xfrm flipV="1">
+              <a:off x="5600700" y="2"/>
+              <a:ext cx="0" cy="5540476"/>
+            </a:xfrm>
+            <a:prstGeom prst="line">
+              <a:avLst/>
+            </a:prstGeom>
+            <a:ln w="38100">
+              <a:solidFill>
+                <a:srgbClr val="FF0000"/>
+              </a:solidFill>
+            </a:ln>
+          </p:spPr>
+          <p:style>
+            <a:lnRef idx="1">
+              <a:schemeClr val="accent1"/>
+            </a:lnRef>
+            <a:fillRef idx="0">
+              <a:schemeClr val="accent1"/>
+            </a:fillRef>
+            <a:effectRef idx="0">
+              <a:schemeClr val="accent1"/>
+            </a:effectRef>
+            <a:fontRef idx="minor">
+              <a:schemeClr val="tx1"/>
+            </a:fontRef>
+          </p:style>
+        </p:cxnSp>
+        <p:cxnSp>
+          <p:nvCxnSpPr>
+            <p:cNvPr id="38" name="Straight Connector 37">
+              <a:extLst>
+                <a:ext uri="{FF2B5EF4-FFF2-40B4-BE49-F238E27FC236}">
+                  <a16:creationId xmlns:a16="http://schemas.microsoft.com/office/drawing/2014/main" id="{47CB94A7-472A-4832-A98E-3688485C9F07}"/>
+                </a:ext>
+              </a:extLst>
+            </p:cNvPr>
+            <p:cNvCxnSpPr>
+              <a:cxnSpLocks/>
+            </p:cNvCxnSpPr>
+            <p:nvPr/>
+          </p:nvCxnSpPr>
+          <p:spPr>
+            <a:xfrm flipV="1">
+              <a:off x="9334500" y="2"/>
+              <a:ext cx="0" cy="5540476"/>
+            </a:xfrm>
+            <a:prstGeom prst="line">
+              <a:avLst/>
+            </a:prstGeom>
+            <a:ln w="38100">
+              <a:solidFill>
+                <a:srgbClr val="FF0000"/>
+              </a:solidFill>
+            </a:ln>
+          </p:spPr>
+          <p:style>
+            <a:lnRef idx="1">
+              <a:schemeClr val="accent1"/>
+            </a:lnRef>
+            <a:fillRef idx="0">
+              <a:schemeClr val="accent1"/>
+            </a:fillRef>
+            <a:effectRef idx="0">
+              <a:schemeClr val="accent1"/>
+            </a:effectRef>
+            <a:fontRef idx="minor">
+              <a:schemeClr val="tx1"/>
+            </a:fontRef>
+          </p:style>
+        </p:cxnSp>
+      </p:grpSp>
     </p:spTree>
     <p:extLst>
       <p:ext uri="{BB962C8B-B14F-4D97-AF65-F5344CB8AC3E}">
@@ -3989,56 +4117,2052 @@
           <a:chExt cx="0" cy="0"/>
         </a:xfrm>
       </p:grpSpPr>
-      <p:sp>
-        <p:nvSpPr>
-          <p:cNvPr id="2" name="Title 1">
+      <p:grpSp>
+        <p:nvGrpSpPr>
+          <p:cNvPr id="175" name="Group 174">
             <a:extLst>
               <a:ext uri="{FF2B5EF4-FFF2-40B4-BE49-F238E27FC236}">
-                <a16:creationId xmlns:a16="http://schemas.microsoft.com/office/drawing/2014/main" id="{AE60ADDF-5F6D-4BF5-993F-0D6EDD9D2BF8}"/>
+                <a16:creationId xmlns:a16="http://schemas.microsoft.com/office/drawing/2014/main" id="{D59C5363-7FC2-42E0-B8D7-D6C3D4143E2B}"/>
               </a:ext>
             </a:extLst>
           </p:cNvPr>
-          <p:cNvSpPr>
-            <a:spLocks noGrp="1"/>
-          </p:cNvSpPr>
-          <p:nvPr>
-            <p:ph type="title"/>
-          </p:nvPr>
-        </p:nvSpPr>
-        <p:spPr/>
-        <p:txBody>
-          <a:bodyPr/>
-          <a:lstStyle/>
-          <a:p>
-            <a:endParaRPr lang="en-GB"/>
-          </a:p>
-        </p:txBody>
-      </p:sp>
-      <p:sp>
-        <p:nvSpPr>
-          <p:cNvPr id="3" name="Content Placeholder 2">
-            <a:extLst>
-              <a:ext uri="{FF2B5EF4-FFF2-40B4-BE49-F238E27FC236}">
-                <a16:creationId xmlns:a16="http://schemas.microsoft.com/office/drawing/2014/main" id="{C702AA77-EFD3-4C43-86C9-E5C00B8C4E31}"/>
-              </a:ext>
-            </a:extLst>
-          </p:cNvPr>
-          <p:cNvSpPr>
-            <a:spLocks noGrp="1"/>
-          </p:cNvSpPr>
-          <p:nvPr>
-            <p:ph idx="1"/>
-          </p:nvPr>
-        </p:nvSpPr>
-        <p:spPr/>
-        <p:txBody>
-          <a:bodyPr/>
-          <a:lstStyle/>
-          <a:p>
-            <a:endParaRPr lang="en-GB"/>
-          </a:p>
-        </p:txBody>
-      </p:sp>
+          <p:cNvGrpSpPr/>
+          <p:nvPr/>
+        </p:nvGrpSpPr>
+        <p:grpSpPr>
+          <a:xfrm>
+            <a:off x="960197" y="822779"/>
+            <a:ext cx="10563863" cy="4234484"/>
+            <a:chOff x="960197" y="822779"/>
+            <a:chExt cx="10563863" cy="4234484"/>
+          </a:xfrm>
+        </p:grpSpPr>
+        <p:grpSp>
+          <p:nvGrpSpPr>
+            <p:cNvPr id="85" name="Group 84">
+              <a:extLst>
+                <a:ext uri="{FF2B5EF4-FFF2-40B4-BE49-F238E27FC236}">
+                  <a16:creationId xmlns:a16="http://schemas.microsoft.com/office/drawing/2014/main" id="{523DBDD5-62D2-4354-B1FC-86D12C860545}"/>
+                </a:ext>
+              </a:extLst>
+            </p:cNvPr>
+            <p:cNvGrpSpPr/>
+            <p:nvPr/>
+          </p:nvGrpSpPr>
+          <p:grpSpPr>
+            <a:xfrm>
+              <a:off x="960197" y="822779"/>
+              <a:ext cx="10563863" cy="4234484"/>
+              <a:chOff x="960197" y="822779"/>
+              <a:chExt cx="10563863" cy="4234484"/>
+            </a:xfrm>
+          </p:grpSpPr>
+          <p:grpSp>
+            <p:nvGrpSpPr>
+              <p:cNvPr id="81" name="Group 80">
+                <a:extLst>
+                  <a:ext uri="{FF2B5EF4-FFF2-40B4-BE49-F238E27FC236}">
+                    <a16:creationId xmlns:a16="http://schemas.microsoft.com/office/drawing/2014/main" id="{02598855-477D-40DF-8306-BE6DD918E213}"/>
+                  </a:ext>
+                </a:extLst>
+              </p:cNvPr>
+              <p:cNvGrpSpPr/>
+              <p:nvPr/>
+            </p:nvGrpSpPr>
+            <p:grpSpPr>
+              <a:xfrm>
+                <a:off x="960197" y="822779"/>
+                <a:ext cx="10563863" cy="4234484"/>
+                <a:chOff x="600075" y="678425"/>
+                <a:chExt cx="10923986" cy="4378838"/>
+              </a:xfrm>
+            </p:grpSpPr>
+            <p:sp>
+              <p:nvSpPr>
+                <p:cNvPr id="4" name="Rectangle 3">
+                  <a:extLst>
+                    <a:ext uri="{FF2B5EF4-FFF2-40B4-BE49-F238E27FC236}">
+                      <a16:creationId xmlns:a16="http://schemas.microsoft.com/office/drawing/2014/main" id="{D02B078F-5602-469D-AFBA-79FD1A430C71}"/>
+                    </a:ext>
+                  </a:extLst>
+                </p:cNvPr>
+                <p:cNvSpPr/>
+                <p:nvPr/>
+              </p:nvSpPr>
+              <p:spPr>
+                <a:xfrm>
+                  <a:off x="600075" y="1314451"/>
+                  <a:ext cx="1866900" cy="3742812"/>
+                </a:xfrm>
+                <a:prstGeom prst="rect">
+                  <a:avLst/>
+                </a:prstGeom>
+              </p:spPr>
+              <p:style>
+                <a:lnRef idx="2">
+                  <a:schemeClr val="accent1">
+                    <a:shade val="50000"/>
+                  </a:schemeClr>
+                </a:lnRef>
+                <a:fillRef idx="1">
+                  <a:schemeClr val="accent1"/>
+                </a:fillRef>
+                <a:effectRef idx="0">
+                  <a:schemeClr val="accent1"/>
+                </a:effectRef>
+                <a:fontRef idx="minor">
+                  <a:schemeClr val="lt1"/>
+                </a:fontRef>
+              </p:style>
+              <p:txBody>
+                <a:bodyPr rtlCol="0" anchor="ctr"/>
+                <a:lstStyle/>
+                <a:p>
+                  <a:pPr algn="ctr"/>
+                  <a:r>
+                    <a:rPr lang="en-GB" dirty="0"/>
+                    <a:t>Solution Generator</a:t>
+                  </a:r>
+                </a:p>
+              </p:txBody>
+            </p:sp>
+            <p:sp>
+              <p:nvSpPr>
+                <p:cNvPr id="5" name="Rectangle 4">
+                  <a:extLst>
+                    <a:ext uri="{FF2B5EF4-FFF2-40B4-BE49-F238E27FC236}">
+                      <a16:creationId xmlns:a16="http://schemas.microsoft.com/office/drawing/2014/main" id="{3558829E-1A07-45C0-9A00-7A7EBF380B70}"/>
+                    </a:ext>
+                  </a:extLst>
+                </p:cNvPr>
+                <p:cNvSpPr/>
+                <p:nvPr/>
+              </p:nvSpPr>
+              <p:spPr>
+                <a:xfrm>
+                  <a:off x="3857625" y="1510114"/>
+                  <a:ext cx="1866901" cy="532091"/>
+                </a:xfrm>
+                <a:prstGeom prst="rect">
+                  <a:avLst/>
+                </a:prstGeom>
+              </p:spPr>
+              <p:style>
+                <a:lnRef idx="2">
+                  <a:schemeClr val="accent1">
+                    <a:shade val="50000"/>
+                  </a:schemeClr>
+                </a:lnRef>
+                <a:fillRef idx="1">
+                  <a:schemeClr val="accent1"/>
+                </a:fillRef>
+                <a:effectRef idx="0">
+                  <a:schemeClr val="accent1"/>
+                </a:effectRef>
+                <a:fontRef idx="minor">
+                  <a:schemeClr val="lt1"/>
+                </a:fontRef>
+              </p:style>
+              <p:txBody>
+                <a:bodyPr rtlCol="0" anchor="ctr"/>
+                <a:lstStyle/>
+                <a:p>
+                  <a:pPr algn="ctr"/>
+                  <a:r>
+                    <a:rPr lang="en-GB" dirty="0"/>
+                    <a:t>Decipher</a:t>
+                  </a:r>
+                </a:p>
+              </p:txBody>
+            </p:sp>
+            <p:sp>
+              <p:nvSpPr>
+                <p:cNvPr id="6" name="Rectangle 5">
+                  <a:extLst>
+                    <a:ext uri="{FF2B5EF4-FFF2-40B4-BE49-F238E27FC236}">
+                      <a16:creationId xmlns:a16="http://schemas.microsoft.com/office/drawing/2014/main" id="{FA898991-9B27-4D71-A232-14AD7D3DEFC2}"/>
+                    </a:ext>
+                  </a:extLst>
+                </p:cNvPr>
+                <p:cNvSpPr/>
+                <p:nvPr/>
+              </p:nvSpPr>
+              <p:spPr>
+                <a:xfrm>
+                  <a:off x="3857625" y="2919811"/>
+                  <a:ext cx="1866901" cy="532091"/>
+                </a:xfrm>
+                <a:prstGeom prst="rect">
+                  <a:avLst/>
+                </a:prstGeom>
+              </p:spPr>
+              <p:style>
+                <a:lnRef idx="2">
+                  <a:schemeClr val="accent1">
+                    <a:shade val="50000"/>
+                  </a:schemeClr>
+                </a:lnRef>
+                <a:fillRef idx="1">
+                  <a:schemeClr val="accent1"/>
+                </a:fillRef>
+                <a:effectRef idx="0">
+                  <a:schemeClr val="accent1"/>
+                </a:effectRef>
+                <a:fontRef idx="minor">
+                  <a:schemeClr val="lt1"/>
+                </a:fontRef>
+              </p:style>
+              <p:txBody>
+                <a:bodyPr rtlCol="0" anchor="ctr"/>
+                <a:lstStyle/>
+                <a:p>
+                  <a:pPr algn="ctr"/>
+                  <a:r>
+                    <a:rPr lang="en-GB" dirty="0"/>
+                    <a:t>Decipher</a:t>
+                  </a:r>
+                </a:p>
+                <a:p>
+                  <a:pPr algn="ctr"/>
+                  <a:endParaRPr lang="en-GB" dirty="0"/>
+                </a:p>
+              </p:txBody>
+            </p:sp>
+            <p:sp>
+              <p:nvSpPr>
+                <p:cNvPr id="7" name="Rectangle 6">
+                  <a:extLst>
+                    <a:ext uri="{FF2B5EF4-FFF2-40B4-BE49-F238E27FC236}">
+                      <a16:creationId xmlns:a16="http://schemas.microsoft.com/office/drawing/2014/main" id="{F73A94AE-F236-4DC7-A88C-D6EFB7F9FA88}"/>
+                    </a:ext>
+                  </a:extLst>
+                </p:cNvPr>
+                <p:cNvSpPr/>
+                <p:nvPr/>
+              </p:nvSpPr>
+              <p:spPr>
+                <a:xfrm>
+                  <a:off x="3857625" y="4329511"/>
+                  <a:ext cx="1866901" cy="532091"/>
+                </a:xfrm>
+                <a:prstGeom prst="rect">
+                  <a:avLst/>
+                </a:prstGeom>
+              </p:spPr>
+              <p:style>
+                <a:lnRef idx="2">
+                  <a:schemeClr val="accent1">
+                    <a:shade val="50000"/>
+                  </a:schemeClr>
+                </a:lnRef>
+                <a:fillRef idx="1">
+                  <a:schemeClr val="accent1"/>
+                </a:fillRef>
+                <a:effectRef idx="0">
+                  <a:schemeClr val="accent1"/>
+                </a:effectRef>
+                <a:fontRef idx="minor">
+                  <a:schemeClr val="lt1"/>
+                </a:fontRef>
+              </p:style>
+              <p:txBody>
+                <a:bodyPr rtlCol="0" anchor="ctr"/>
+                <a:lstStyle/>
+                <a:p>
+                  <a:pPr algn="ctr"/>
+                  <a:r>
+                    <a:rPr lang="en-GB" dirty="0"/>
+                    <a:t>Decipher</a:t>
+                  </a:r>
+                </a:p>
+              </p:txBody>
+            </p:sp>
+            <p:sp>
+              <p:nvSpPr>
+                <p:cNvPr id="8" name="Rectangle 7">
+                  <a:extLst>
+                    <a:ext uri="{FF2B5EF4-FFF2-40B4-BE49-F238E27FC236}">
+                      <a16:creationId xmlns:a16="http://schemas.microsoft.com/office/drawing/2014/main" id="{720A1CD5-2FAB-4332-B4E5-E29DC7AC1D7D}"/>
+                    </a:ext>
+                  </a:extLst>
+                </p:cNvPr>
+                <p:cNvSpPr/>
+                <p:nvPr/>
+              </p:nvSpPr>
+              <p:spPr>
+                <a:xfrm>
+                  <a:off x="2069306" y="1612103"/>
+                  <a:ext cx="1193005" cy="328107"/>
+                </a:xfrm>
+                <a:prstGeom prst="rect">
+                  <a:avLst/>
+                </a:prstGeom>
+              </p:spPr>
+              <p:style>
+                <a:lnRef idx="2">
+                  <a:schemeClr val="accent1">
+                    <a:shade val="50000"/>
+                  </a:schemeClr>
+                </a:lnRef>
+                <a:fillRef idx="1">
+                  <a:schemeClr val="accent1"/>
+                </a:fillRef>
+                <a:effectRef idx="0">
+                  <a:schemeClr val="accent1"/>
+                </a:effectRef>
+                <a:fontRef idx="minor">
+                  <a:schemeClr val="lt1"/>
+                </a:fontRef>
+              </p:style>
+              <p:txBody>
+                <a:bodyPr rtlCol="0" anchor="ctr"/>
+                <a:lstStyle/>
+                <a:p>
+                  <a:pPr algn="ctr"/>
+                  <a:r>
+                    <a:rPr lang="en-GB" dirty="0"/>
+                    <a:t>Channel 0</a:t>
+                  </a:r>
+                </a:p>
+              </p:txBody>
+            </p:sp>
+            <p:sp>
+              <p:nvSpPr>
+                <p:cNvPr id="9" name="Rectangle 8">
+                  <a:extLst>
+                    <a:ext uri="{FF2B5EF4-FFF2-40B4-BE49-F238E27FC236}">
+                      <a16:creationId xmlns:a16="http://schemas.microsoft.com/office/drawing/2014/main" id="{7C9B0AEE-03A4-44BB-9383-3AC191EC3B16}"/>
+                    </a:ext>
+                  </a:extLst>
+                </p:cNvPr>
+                <p:cNvSpPr/>
+                <p:nvPr/>
+              </p:nvSpPr>
+              <p:spPr>
+                <a:xfrm>
+                  <a:off x="2069306" y="3026308"/>
+                  <a:ext cx="1193005" cy="328107"/>
+                </a:xfrm>
+                <a:prstGeom prst="rect">
+                  <a:avLst/>
+                </a:prstGeom>
+              </p:spPr>
+              <p:style>
+                <a:lnRef idx="2">
+                  <a:schemeClr val="accent1">
+                    <a:shade val="50000"/>
+                  </a:schemeClr>
+                </a:lnRef>
+                <a:fillRef idx="1">
+                  <a:schemeClr val="accent1"/>
+                </a:fillRef>
+                <a:effectRef idx="0">
+                  <a:schemeClr val="accent1"/>
+                </a:effectRef>
+                <a:fontRef idx="minor">
+                  <a:schemeClr val="lt1"/>
+                </a:fontRef>
+              </p:style>
+              <p:txBody>
+                <a:bodyPr rtlCol="0" anchor="ctr"/>
+                <a:lstStyle/>
+                <a:p>
+                  <a:pPr algn="ctr"/>
+                  <a:r>
+                    <a:rPr lang="en-GB" dirty="0"/>
+                    <a:t>Channel 1</a:t>
+                  </a:r>
+                </a:p>
+              </p:txBody>
+            </p:sp>
+            <p:sp>
+              <p:nvSpPr>
+                <p:cNvPr id="10" name="Rectangle 9">
+                  <a:extLst>
+                    <a:ext uri="{FF2B5EF4-FFF2-40B4-BE49-F238E27FC236}">
+                      <a16:creationId xmlns:a16="http://schemas.microsoft.com/office/drawing/2014/main" id="{3DC90D67-2D8E-4F25-9A08-06525C4BF899}"/>
+                    </a:ext>
+                  </a:extLst>
+                </p:cNvPr>
+                <p:cNvSpPr/>
+                <p:nvPr/>
+              </p:nvSpPr>
+              <p:spPr>
+                <a:xfrm>
+                  <a:off x="2069306" y="4431501"/>
+                  <a:ext cx="1193005" cy="328107"/>
+                </a:xfrm>
+                <a:prstGeom prst="rect">
+                  <a:avLst/>
+                </a:prstGeom>
+              </p:spPr>
+              <p:style>
+                <a:lnRef idx="2">
+                  <a:schemeClr val="accent1">
+                    <a:shade val="50000"/>
+                  </a:schemeClr>
+                </a:lnRef>
+                <a:fillRef idx="1">
+                  <a:schemeClr val="accent1"/>
+                </a:fillRef>
+                <a:effectRef idx="0">
+                  <a:schemeClr val="accent1"/>
+                </a:effectRef>
+                <a:fontRef idx="minor">
+                  <a:schemeClr val="lt1"/>
+                </a:fontRef>
+              </p:style>
+              <p:txBody>
+                <a:bodyPr rtlCol="0" anchor="ctr"/>
+                <a:lstStyle/>
+                <a:p>
+                  <a:pPr algn="ctr"/>
+                  <a:r>
+                    <a:rPr lang="en-GB" dirty="0"/>
+                    <a:t>Channel 2</a:t>
+                  </a:r>
+                </a:p>
+              </p:txBody>
+            </p:sp>
+            <p:cxnSp>
+              <p:nvCxnSpPr>
+                <p:cNvPr id="12" name="Straight Arrow Connector 11">
+                  <a:extLst>
+                    <a:ext uri="{FF2B5EF4-FFF2-40B4-BE49-F238E27FC236}">
+                      <a16:creationId xmlns:a16="http://schemas.microsoft.com/office/drawing/2014/main" id="{43AFD8CD-C410-407F-86B7-A6D6B68596C3}"/>
+                    </a:ext>
+                  </a:extLst>
+                </p:cNvPr>
+                <p:cNvCxnSpPr>
+                  <a:cxnSpLocks/>
+                  <a:stCxn id="8" idx="3"/>
+                  <a:endCxn id="5" idx="1"/>
+                </p:cNvCxnSpPr>
+                <p:nvPr/>
+              </p:nvCxnSpPr>
+              <p:spPr>
+                <a:xfrm>
+                  <a:off x="3262311" y="1776157"/>
+                  <a:ext cx="595314" cy="2"/>
+                </a:xfrm>
+                <a:prstGeom prst="straightConnector1">
+                  <a:avLst/>
+                </a:prstGeom>
+                <a:ln>
+                  <a:tailEnd type="triangle"/>
+                </a:ln>
+              </p:spPr>
+              <p:style>
+                <a:lnRef idx="1">
+                  <a:schemeClr val="accent1"/>
+                </a:lnRef>
+                <a:fillRef idx="0">
+                  <a:schemeClr val="accent1"/>
+                </a:fillRef>
+                <a:effectRef idx="0">
+                  <a:schemeClr val="accent1"/>
+                </a:effectRef>
+                <a:fontRef idx="minor">
+                  <a:schemeClr val="tx1"/>
+                </a:fontRef>
+              </p:style>
+            </p:cxnSp>
+            <p:cxnSp>
+              <p:nvCxnSpPr>
+                <p:cNvPr id="14" name="Straight Arrow Connector 13">
+                  <a:extLst>
+                    <a:ext uri="{FF2B5EF4-FFF2-40B4-BE49-F238E27FC236}">
+                      <a16:creationId xmlns:a16="http://schemas.microsoft.com/office/drawing/2014/main" id="{91073A17-970F-42DB-B987-3C63ADA44FCE}"/>
+                    </a:ext>
+                  </a:extLst>
+                </p:cNvPr>
+                <p:cNvCxnSpPr>
+                  <a:cxnSpLocks/>
+                  <a:stCxn id="9" idx="3"/>
+                  <a:endCxn id="6" idx="1"/>
+                </p:cNvCxnSpPr>
+                <p:nvPr/>
+              </p:nvCxnSpPr>
+              <p:spPr>
+                <a:xfrm flipV="1">
+                  <a:off x="3262311" y="3185857"/>
+                  <a:ext cx="595314" cy="4506"/>
+                </a:xfrm>
+                <a:prstGeom prst="straightConnector1">
+                  <a:avLst/>
+                </a:prstGeom>
+                <a:ln>
+                  <a:tailEnd type="triangle"/>
+                </a:ln>
+              </p:spPr>
+              <p:style>
+                <a:lnRef idx="1">
+                  <a:schemeClr val="accent1"/>
+                </a:lnRef>
+                <a:fillRef idx="0">
+                  <a:schemeClr val="accent1"/>
+                </a:fillRef>
+                <a:effectRef idx="0">
+                  <a:schemeClr val="accent1"/>
+                </a:effectRef>
+                <a:fontRef idx="minor">
+                  <a:schemeClr val="tx1"/>
+                </a:fontRef>
+              </p:style>
+            </p:cxnSp>
+            <p:cxnSp>
+              <p:nvCxnSpPr>
+                <p:cNvPr id="16" name="Straight Arrow Connector 15">
+                  <a:extLst>
+                    <a:ext uri="{FF2B5EF4-FFF2-40B4-BE49-F238E27FC236}">
+                      <a16:creationId xmlns:a16="http://schemas.microsoft.com/office/drawing/2014/main" id="{DCCF11C4-6774-443B-B41D-D2AB4A7195CA}"/>
+                    </a:ext>
+                  </a:extLst>
+                </p:cNvPr>
+                <p:cNvCxnSpPr>
+                  <a:cxnSpLocks/>
+                  <a:stCxn id="10" idx="3"/>
+                  <a:endCxn id="7" idx="1"/>
+                </p:cNvCxnSpPr>
+                <p:nvPr/>
+              </p:nvCxnSpPr>
+              <p:spPr>
+                <a:xfrm>
+                  <a:off x="3262311" y="4595555"/>
+                  <a:ext cx="595314" cy="1"/>
+                </a:xfrm>
+                <a:prstGeom prst="straightConnector1">
+                  <a:avLst/>
+                </a:prstGeom>
+                <a:ln>
+                  <a:tailEnd type="triangle"/>
+                </a:ln>
+              </p:spPr>
+              <p:style>
+                <a:lnRef idx="1">
+                  <a:schemeClr val="accent1"/>
+                </a:lnRef>
+                <a:fillRef idx="0">
+                  <a:schemeClr val="accent1"/>
+                </a:fillRef>
+                <a:effectRef idx="0">
+                  <a:schemeClr val="accent1"/>
+                </a:effectRef>
+                <a:fontRef idx="minor">
+                  <a:schemeClr val="tx1"/>
+                </a:fontRef>
+              </p:style>
+            </p:cxnSp>
+            <p:sp>
+              <p:nvSpPr>
+                <p:cNvPr id="20" name="Rectangle 19">
+                  <a:extLst>
+                    <a:ext uri="{FF2B5EF4-FFF2-40B4-BE49-F238E27FC236}">
+                      <a16:creationId xmlns:a16="http://schemas.microsoft.com/office/drawing/2014/main" id="{8BBCE18C-45E2-4A24-B82D-FA1C61713B62}"/>
+                    </a:ext>
+                  </a:extLst>
+                </p:cNvPr>
+                <p:cNvSpPr/>
+                <p:nvPr/>
+              </p:nvSpPr>
+              <p:spPr>
+                <a:xfrm>
+                  <a:off x="6224590" y="1576595"/>
+                  <a:ext cx="1614487" cy="399126"/>
+                </a:xfrm>
+                <a:prstGeom prst="rect">
+                  <a:avLst/>
+                </a:prstGeom>
+              </p:spPr>
+              <p:style>
+                <a:lnRef idx="2">
+                  <a:schemeClr val="accent1">
+                    <a:shade val="50000"/>
+                  </a:schemeClr>
+                </a:lnRef>
+                <a:fillRef idx="1">
+                  <a:schemeClr val="accent1"/>
+                </a:fillRef>
+                <a:effectRef idx="0">
+                  <a:schemeClr val="accent1"/>
+                </a:effectRef>
+                <a:fontRef idx="minor">
+                  <a:schemeClr val="lt1"/>
+                </a:fontRef>
+              </p:style>
+              <p:txBody>
+                <a:bodyPr rtlCol="0" anchor="ctr"/>
+                <a:lstStyle/>
+                <a:p>
+                  <a:pPr algn="ctr"/>
+                  <a:r>
+                    <a:rPr lang="en-GB" dirty="0"/>
+                    <a:t>Validate</a:t>
+                  </a:r>
+                </a:p>
+              </p:txBody>
+            </p:sp>
+            <p:cxnSp>
+              <p:nvCxnSpPr>
+                <p:cNvPr id="22" name="Straight Arrow Connector 21">
+                  <a:extLst>
+                    <a:ext uri="{FF2B5EF4-FFF2-40B4-BE49-F238E27FC236}">
+                      <a16:creationId xmlns:a16="http://schemas.microsoft.com/office/drawing/2014/main" id="{3A9F3D65-A2C6-4C07-9E13-0A3DBC5D227B}"/>
+                    </a:ext>
+                  </a:extLst>
+                </p:cNvPr>
+                <p:cNvCxnSpPr>
+                  <a:cxnSpLocks/>
+                  <a:stCxn id="5" idx="3"/>
+                  <a:endCxn id="20" idx="1"/>
+                </p:cNvCxnSpPr>
+                <p:nvPr/>
+              </p:nvCxnSpPr>
+              <p:spPr>
+                <a:xfrm flipV="1">
+                  <a:off x="5724526" y="1776158"/>
+                  <a:ext cx="500064" cy="1"/>
+                </a:xfrm>
+                <a:prstGeom prst="straightConnector1">
+                  <a:avLst/>
+                </a:prstGeom>
+                <a:ln>
+                  <a:tailEnd type="triangle"/>
+                </a:ln>
+              </p:spPr>
+              <p:style>
+                <a:lnRef idx="1">
+                  <a:schemeClr val="accent1"/>
+                </a:lnRef>
+                <a:fillRef idx="0">
+                  <a:schemeClr val="accent1"/>
+                </a:fillRef>
+                <a:effectRef idx="0">
+                  <a:schemeClr val="accent1"/>
+                </a:effectRef>
+                <a:fontRef idx="minor">
+                  <a:schemeClr val="tx1"/>
+                </a:fontRef>
+              </p:style>
+            </p:cxnSp>
+            <p:sp>
+              <p:nvSpPr>
+                <p:cNvPr id="23" name="Rectangle 22">
+                  <a:extLst>
+                    <a:ext uri="{FF2B5EF4-FFF2-40B4-BE49-F238E27FC236}">
+                      <a16:creationId xmlns:a16="http://schemas.microsoft.com/office/drawing/2014/main" id="{27B3DD5D-887B-44FF-9531-6DE29B689186}"/>
+                    </a:ext>
+                  </a:extLst>
+                </p:cNvPr>
+                <p:cNvSpPr/>
+                <p:nvPr/>
+              </p:nvSpPr>
+              <p:spPr>
+                <a:xfrm>
+                  <a:off x="6234115" y="2986294"/>
+                  <a:ext cx="1614486" cy="399126"/>
+                </a:xfrm>
+                <a:prstGeom prst="rect">
+                  <a:avLst/>
+                </a:prstGeom>
+              </p:spPr>
+              <p:style>
+                <a:lnRef idx="2">
+                  <a:schemeClr val="accent1">
+                    <a:shade val="50000"/>
+                  </a:schemeClr>
+                </a:lnRef>
+                <a:fillRef idx="1">
+                  <a:schemeClr val="accent1"/>
+                </a:fillRef>
+                <a:effectRef idx="0">
+                  <a:schemeClr val="accent1"/>
+                </a:effectRef>
+                <a:fontRef idx="minor">
+                  <a:schemeClr val="lt1"/>
+                </a:fontRef>
+              </p:style>
+              <p:txBody>
+                <a:bodyPr rtlCol="0" anchor="ctr"/>
+                <a:lstStyle/>
+                <a:p>
+                  <a:pPr algn="ctr"/>
+                  <a:r>
+                    <a:rPr lang="en-GB" dirty="0"/>
+                    <a:t>Validate</a:t>
+                  </a:r>
+                </a:p>
+              </p:txBody>
+            </p:sp>
+            <p:cxnSp>
+              <p:nvCxnSpPr>
+                <p:cNvPr id="24" name="Straight Arrow Connector 23">
+                  <a:extLst>
+                    <a:ext uri="{FF2B5EF4-FFF2-40B4-BE49-F238E27FC236}">
+                      <a16:creationId xmlns:a16="http://schemas.microsoft.com/office/drawing/2014/main" id="{E0E9F85C-CCC0-4B43-863B-32A59A066F6F}"/>
+                    </a:ext>
+                  </a:extLst>
+                </p:cNvPr>
+                <p:cNvCxnSpPr>
+                  <a:cxnSpLocks/>
+                  <a:endCxn id="23" idx="1"/>
+                </p:cNvCxnSpPr>
+                <p:nvPr/>
+              </p:nvCxnSpPr>
+              <p:spPr>
+                <a:xfrm>
+                  <a:off x="5695950" y="3185857"/>
+                  <a:ext cx="538165" cy="0"/>
+                </a:xfrm>
+                <a:prstGeom prst="straightConnector1">
+                  <a:avLst/>
+                </a:prstGeom>
+                <a:ln>
+                  <a:tailEnd type="triangle"/>
+                </a:ln>
+              </p:spPr>
+              <p:style>
+                <a:lnRef idx="1">
+                  <a:schemeClr val="accent1"/>
+                </a:lnRef>
+                <a:fillRef idx="0">
+                  <a:schemeClr val="accent1"/>
+                </a:fillRef>
+                <a:effectRef idx="0">
+                  <a:schemeClr val="accent1"/>
+                </a:effectRef>
+                <a:fontRef idx="minor">
+                  <a:schemeClr val="tx1"/>
+                </a:fontRef>
+              </p:style>
+            </p:cxnSp>
+            <p:sp>
+              <p:nvSpPr>
+                <p:cNvPr id="25" name="Rectangle 24">
+                  <a:extLst>
+                    <a:ext uri="{FF2B5EF4-FFF2-40B4-BE49-F238E27FC236}">
+                      <a16:creationId xmlns:a16="http://schemas.microsoft.com/office/drawing/2014/main" id="{ADE42F05-ADC5-4AD1-8193-604289703FA5}"/>
+                    </a:ext>
+                  </a:extLst>
+                </p:cNvPr>
+                <p:cNvSpPr/>
+                <p:nvPr/>
+              </p:nvSpPr>
+              <p:spPr>
+                <a:xfrm>
+                  <a:off x="6224590" y="4371414"/>
+                  <a:ext cx="1614486" cy="399126"/>
+                </a:xfrm>
+                <a:prstGeom prst="rect">
+                  <a:avLst/>
+                </a:prstGeom>
+              </p:spPr>
+              <p:style>
+                <a:lnRef idx="2">
+                  <a:schemeClr val="accent1">
+                    <a:shade val="50000"/>
+                  </a:schemeClr>
+                </a:lnRef>
+                <a:fillRef idx="1">
+                  <a:schemeClr val="accent1"/>
+                </a:fillRef>
+                <a:effectRef idx="0">
+                  <a:schemeClr val="accent1"/>
+                </a:effectRef>
+                <a:fontRef idx="minor">
+                  <a:schemeClr val="lt1"/>
+                </a:fontRef>
+              </p:style>
+              <p:txBody>
+                <a:bodyPr rtlCol="0" anchor="ctr"/>
+                <a:lstStyle/>
+                <a:p>
+                  <a:pPr algn="ctr"/>
+                  <a:r>
+                    <a:rPr lang="en-GB" dirty="0"/>
+                    <a:t>Validate</a:t>
+                  </a:r>
+                </a:p>
+              </p:txBody>
+            </p:sp>
+            <p:cxnSp>
+              <p:nvCxnSpPr>
+                <p:cNvPr id="26" name="Straight Arrow Connector 25">
+                  <a:extLst>
+                    <a:ext uri="{FF2B5EF4-FFF2-40B4-BE49-F238E27FC236}">
+                      <a16:creationId xmlns:a16="http://schemas.microsoft.com/office/drawing/2014/main" id="{675F9E3C-6593-4FD6-80D0-BAAFE783F258}"/>
+                    </a:ext>
+                  </a:extLst>
+                </p:cNvPr>
+                <p:cNvCxnSpPr>
+                  <a:cxnSpLocks/>
+                  <a:endCxn id="25" idx="1"/>
+                </p:cNvCxnSpPr>
+                <p:nvPr/>
+              </p:nvCxnSpPr>
+              <p:spPr>
+                <a:xfrm>
+                  <a:off x="5686425" y="4570977"/>
+                  <a:ext cx="538165" cy="0"/>
+                </a:xfrm>
+                <a:prstGeom prst="straightConnector1">
+                  <a:avLst/>
+                </a:prstGeom>
+                <a:ln>
+                  <a:tailEnd type="triangle"/>
+                </a:ln>
+              </p:spPr>
+              <p:style>
+                <a:lnRef idx="1">
+                  <a:schemeClr val="accent1"/>
+                </a:lnRef>
+                <a:fillRef idx="0">
+                  <a:schemeClr val="accent1"/>
+                </a:fillRef>
+                <a:effectRef idx="0">
+                  <a:schemeClr val="accent1"/>
+                </a:effectRef>
+                <a:fontRef idx="minor">
+                  <a:schemeClr val="tx1"/>
+                </a:fontRef>
+              </p:style>
+            </p:cxnSp>
+            <p:cxnSp>
+              <p:nvCxnSpPr>
+                <p:cNvPr id="39" name="Connector: Elbow 38">
+                  <a:extLst>
+                    <a:ext uri="{FF2B5EF4-FFF2-40B4-BE49-F238E27FC236}">
+                      <a16:creationId xmlns:a16="http://schemas.microsoft.com/office/drawing/2014/main" id="{9F08AFAB-25E3-4741-8A62-38A538F53139}"/>
+                    </a:ext>
+                  </a:extLst>
+                </p:cNvPr>
+                <p:cNvCxnSpPr>
+                  <a:cxnSpLocks/>
+                  <a:stCxn id="91" idx="1"/>
+                  <a:endCxn id="8" idx="0"/>
+                </p:cNvCxnSpPr>
+                <p:nvPr/>
+              </p:nvCxnSpPr>
+              <p:spPr>
+                <a:xfrm rot="10800000" flipV="1">
+                  <a:off x="2665810" y="1149252"/>
+                  <a:ext cx="1191815" cy="462849"/>
+                </a:xfrm>
+                <a:prstGeom prst="bentConnector2">
+                  <a:avLst/>
+                </a:prstGeom>
+                <a:ln>
+                  <a:tailEnd type="triangle"/>
+                </a:ln>
+              </p:spPr>
+              <p:style>
+                <a:lnRef idx="1">
+                  <a:schemeClr val="accent1"/>
+                </a:lnRef>
+                <a:fillRef idx="0">
+                  <a:schemeClr val="accent1"/>
+                </a:fillRef>
+                <a:effectRef idx="0">
+                  <a:schemeClr val="accent1"/>
+                </a:effectRef>
+                <a:fontRef idx="minor">
+                  <a:schemeClr val="tx1"/>
+                </a:fontRef>
+              </p:style>
+            </p:cxnSp>
+            <p:cxnSp>
+              <p:nvCxnSpPr>
+                <p:cNvPr id="44" name="Connector: Elbow 43">
+                  <a:extLst>
+                    <a:ext uri="{FF2B5EF4-FFF2-40B4-BE49-F238E27FC236}">
+                      <a16:creationId xmlns:a16="http://schemas.microsoft.com/office/drawing/2014/main" id="{3524D15E-249B-4084-AFCA-CDAF97FA5ADC}"/>
+                    </a:ext>
+                  </a:extLst>
+                </p:cNvPr>
+                <p:cNvCxnSpPr>
+                  <a:cxnSpLocks/>
+                  <a:stCxn id="88" idx="1"/>
+                  <a:endCxn id="9" idx="0"/>
+                </p:cNvCxnSpPr>
+                <p:nvPr/>
+              </p:nvCxnSpPr>
+              <p:spPr>
+                <a:xfrm rot="10800000" flipV="1">
+                  <a:off x="2665809" y="2553762"/>
+                  <a:ext cx="1191814" cy="472546"/>
+                </a:xfrm>
+                <a:prstGeom prst="bentConnector2">
+                  <a:avLst/>
+                </a:prstGeom>
+                <a:ln>
+                  <a:tailEnd type="triangle"/>
+                </a:ln>
+              </p:spPr>
+              <p:style>
+                <a:lnRef idx="1">
+                  <a:schemeClr val="accent1"/>
+                </a:lnRef>
+                <a:fillRef idx="0">
+                  <a:schemeClr val="accent1"/>
+                </a:fillRef>
+                <a:effectRef idx="0">
+                  <a:schemeClr val="accent1"/>
+                </a:effectRef>
+                <a:fontRef idx="minor">
+                  <a:schemeClr val="tx1"/>
+                </a:fontRef>
+              </p:style>
+            </p:cxnSp>
+            <p:cxnSp>
+              <p:nvCxnSpPr>
+                <p:cNvPr id="51" name="Connector: Elbow 50">
+                  <a:extLst>
+                    <a:ext uri="{FF2B5EF4-FFF2-40B4-BE49-F238E27FC236}">
+                      <a16:creationId xmlns:a16="http://schemas.microsoft.com/office/drawing/2014/main" id="{1FB17117-EA1B-4997-BB88-6557E1A66EDE}"/>
+                    </a:ext>
+                  </a:extLst>
+                </p:cNvPr>
+                <p:cNvCxnSpPr>
+                  <a:cxnSpLocks/>
+                  <a:stCxn id="89" idx="1"/>
+                  <a:endCxn id="10" idx="0"/>
+                </p:cNvCxnSpPr>
+                <p:nvPr/>
+              </p:nvCxnSpPr>
+              <p:spPr>
+                <a:xfrm rot="10800000" flipV="1">
+                  <a:off x="2665809" y="4059104"/>
+                  <a:ext cx="1191814" cy="372395"/>
+                </a:xfrm>
+                <a:prstGeom prst="bentConnector2">
+                  <a:avLst/>
+                </a:prstGeom>
+                <a:ln>
+                  <a:tailEnd type="triangle"/>
+                </a:ln>
+              </p:spPr>
+              <p:style>
+                <a:lnRef idx="1">
+                  <a:schemeClr val="accent1"/>
+                </a:lnRef>
+                <a:fillRef idx="0">
+                  <a:schemeClr val="accent1"/>
+                </a:fillRef>
+                <a:effectRef idx="0">
+                  <a:schemeClr val="accent1"/>
+                </a:effectRef>
+                <a:fontRef idx="minor">
+                  <a:schemeClr val="tx1"/>
+                </a:fontRef>
+              </p:style>
+            </p:cxnSp>
+            <p:sp>
+              <p:nvSpPr>
+                <p:cNvPr id="52" name="Rectangle 51">
+                  <a:extLst>
+                    <a:ext uri="{FF2B5EF4-FFF2-40B4-BE49-F238E27FC236}">
+                      <a16:creationId xmlns:a16="http://schemas.microsoft.com/office/drawing/2014/main" id="{2B316CB8-0774-453C-9817-45EA33E9D2DA}"/>
+                    </a:ext>
+                  </a:extLst>
+                </p:cNvPr>
+                <p:cNvSpPr/>
+                <p:nvPr/>
+              </p:nvSpPr>
+              <p:spPr>
+                <a:xfrm>
+                  <a:off x="8124823" y="1478640"/>
+                  <a:ext cx="1614487" cy="595034"/>
+                </a:xfrm>
+                <a:prstGeom prst="rect">
+                  <a:avLst/>
+                </a:prstGeom>
+              </p:spPr>
+              <p:style>
+                <a:lnRef idx="2">
+                  <a:schemeClr val="accent1">
+                    <a:shade val="50000"/>
+                  </a:schemeClr>
+                </a:lnRef>
+                <a:fillRef idx="1">
+                  <a:schemeClr val="accent1"/>
+                </a:fillRef>
+                <a:effectRef idx="0">
+                  <a:schemeClr val="accent1"/>
+                </a:effectRef>
+                <a:fontRef idx="minor">
+                  <a:schemeClr val="lt1"/>
+                </a:fontRef>
+              </p:style>
+              <p:txBody>
+                <a:bodyPr rtlCol="0" anchor="ctr"/>
+                <a:lstStyle/>
+                <a:p>
+                  <a:pPr algn="ctr"/>
+                  <a:r>
+                    <a:rPr lang="en-GB" dirty="0"/>
+                    <a:t>Send Done signal</a:t>
+                  </a:r>
+                </a:p>
+              </p:txBody>
+            </p:sp>
+            <p:cxnSp>
+              <p:nvCxnSpPr>
+                <p:cNvPr id="54" name="Straight Arrow Connector 53">
+                  <a:extLst>
+                    <a:ext uri="{FF2B5EF4-FFF2-40B4-BE49-F238E27FC236}">
+                      <a16:creationId xmlns:a16="http://schemas.microsoft.com/office/drawing/2014/main" id="{D6195B38-CEBF-4285-8199-45310CAC3F1D}"/>
+                    </a:ext>
+                  </a:extLst>
+                </p:cNvPr>
+                <p:cNvCxnSpPr>
+                  <a:cxnSpLocks/>
+                  <a:stCxn id="20" idx="3"/>
+                  <a:endCxn id="52" idx="1"/>
+                </p:cNvCxnSpPr>
+                <p:nvPr/>
+              </p:nvCxnSpPr>
+              <p:spPr>
+                <a:xfrm flipV="1">
+                  <a:off x="7839077" y="1776157"/>
+                  <a:ext cx="285746" cy="1"/>
+                </a:xfrm>
+                <a:prstGeom prst="straightConnector1">
+                  <a:avLst/>
+                </a:prstGeom>
+                <a:ln>
+                  <a:tailEnd type="triangle"/>
+                </a:ln>
+              </p:spPr>
+              <p:style>
+                <a:lnRef idx="1">
+                  <a:schemeClr val="accent1"/>
+                </a:lnRef>
+                <a:fillRef idx="0">
+                  <a:schemeClr val="accent1"/>
+                </a:fillRef>
+                <a:effectRef idx="0">
+                  <a:schemeClr val="accent1"/>
+                </a:effectRef>
+                <a:fontRef idx="minor">
+                  <a:schemeClr val="tx1"/>
+                </a:fontRef>
+              </p:style>
+            </p:cxnSp>
+            <p:sp>
+              <p:nvSpPr>
+                <p:cNvPr id="55" name="Rectangle 54">
+                  <a:extLst>
+                    <a:ext uri="{FF2B5EF4-FFF2-40B4-BE49-F238E27FC236}">
+                      <a16:creationId xmlns:a16="http://schemas.microsoft.com/office/drawing/2014/main" id="{7ADC5F43-C5D6-4E87-A540-78ED7FE28D40}"/>
+                    </a:ext>
+                  </a:extLst>
+                </p:cNvPr>
+                <p:cNvSpPr/>
+                <p:nvPr/>
+              </p:nvSpPr>
+              <p:spPr>
+                <a:xfrm>
+                  <a:off x="8122443" y="2888338"/>
+                  <a:ext cx="1614486" cy="595034"/>
+                </a:xfrm>
+                <a:prstGeom prst="rect">
+                  <a:avLst/>
+                </a:prstGeom>
+              </p:spPr>
+              <p:style>
+                <a:lnRef idx="2">
+                  <a:schemeClr val="accent1">
+                    <a:shade val="50000"/>
+                  </a:schemeClr>
+                </a:lnRef>
+                <a:fillRef idx="1">
+                  <a:schemeClr val="accent1"/>
+                </a:fillRef>
+                <a:effectRef idx="0">
+                  <a:schemeClr val="accent1"/>
+                </a:effectRef>
+                <a:fontRef idx="minor">
+                  <a:schemeClr val="lt1"/>
+                </a:fontRef>
+              </p:style>
+              <p:txBody>
+                <a:bodyPr rtlCol="0" anchor="ctr"/>
+                <a:lstStyle/>
+                <a:p>
+                  <a:pPr algn="ctr"/>
+                  <a:r>
+                    <a:rPr lang="en-GB" dirty="0"/>
+                    <a:t>Send Done signal</a:t>
+                  </a:r>
+                </a:p>
+              </p:txBody>
+            </p:sp>
+            <p:cxnSp>
+              <p:nvCxnSpPr>
+                <p:cNvPr id="56" name="Straight Arrow Connector 55">
+                  <a:extLst>
+                    <a:ext uri="{FF2B5EF4-FFF2-40B4-BE49-F238E27FC236}">
+                      <a16:creationId xmlns:a16="http://schemas.microsoft.com/office/drawing/2014/main" id="{0FE66487-A62E-4227-BF8B-9417F91AE35A}"/>
+                    </a:ext>
+                  </a:extLst>
+                </p:cNvPr>
+                <p:cNvCxnSpPr>
+                  <a:cxnSpLocks/>
+                  <a:stCxn id="23" idx="3"/>
+                  <a:endCxn id="55" idx="1"/>
+                </p:cNvCxnSpPr>
+                <p:nvPr/>
+              </p:nvCxnSpPr>
+              <p:spPr>
+                <a:xfrm flipV="1">
+                  <a:off x="7848601" y="3185855"/>
+                  <a:ext cx="273843" cy="2"/>
+                </a:xfrm>
+                <a:prstGeom prst="straightConnector1">
+                  <a:avLst/>
+                </a:prstGeom>
+                <a:ln>
+                  <a:tailEnd type="triangle"/>
+                </a:ln>
+              </p:spPr>
+              <p:style>
+                <a:lnRef idx="1">
+                  <a:schemeClr val="accent1"/>
+                </a:lnRef>
+                <a:fillRef idx="0">
+                  <a:schemeClr val="accent1"/>
+                </a:fillRef>
+                <a:effectRef idx="0">
+                  <a:schemeClr val="accent1"/>
+                </a:effectRef>
+                <a:fontRef idx="minor">
+                  <a:schemeClr val="tx1"/>
+                </a:fontRef>
+              </p:style>
+            </p:cxnSp>
+            <p:sp>
+              <p:nvSpPr>
+                <p:cNvPr id="57" name="Rectangle 56">
+                  <a:extLst>
+                    <a:ext uri="{FF2B5EF4-FFF2-40B4-BE49-F238E27FC236}">
+                      <a16:creationId xmlns:a16="http://schemas.microsoft.com/office/drawing/2014/main" id="{3AE18BA2-8F2A-44D4-A0B5-8336ED08DB85}"/>
+                    </a:ext>
+                  </a:extLst>
+                </p:cNvPr>
+                <p:cNvSpPr/>
+                <p:nvPr/>
+              </p:nvSpPr>
+              <p:spPr>
+                <a:xfrm>
+                  <a:off x="8122443" y="4266568"/>
+                  <a:ext cx="1614486" cy="595034"/>
+                </a:xfrm>
+                <a:prstGeom prst="rect">
+                  <a:avLst/>
+                </a:prstGeom>
+              </p:spPr>
+              <p:style>
+                <a:lnRef idx="2">
+                  <a:schemeClr val="accent1">
+                    <a:shade val="50000"/>
+                  </a:schemeClr>
+                </a:lnRef>
+                <a:fillRef idx="1">
+                  <a:schemeClr val="accent1"/>
+                </a:fillRef>
+                <a:effectRef idx="0">
+                  <a:schemeClr val="accent1"/>
+                </a:effectRef>
+                <a:fontRef idx="minor">
+                  <a:schemeClr val="lt1"/>
+                </a:fontRef>
+              </p:style>
+              <p:txBody>
+                <a:bodyPr rtlCol="0" anchor="ctr"/>
+                <a:lstStyle/>
+                <a:p>
+                  <a:pPr algn="ctr"/>
+                  <a:r>
+                    <a:rPr lang="en-GB" dirty="0"/>
+                    <a:t>Send Done signal</a:t>
+                  </a:r>
+                </a:p>
+              </p:txBody>
+            </p:sp>
+            <p:cxnSp>
+              <p:nvCxnSpPr>
+                <p:cNvPr id="58" name="Straight Arrow Connector 57">
+                  <a:extLst>
+                    <a:ext uri="{FF2B5EF4-FFF2-40B4-BE49-F238E27FC236}">
+                      <a16:creationId xmlns:a16="http://schemas.microsoft.com/office/drawing/2014/main" id="{2AE16A65-C315-42D6-980F-1EAA692BBE17}"/>
+                    </a:ext>
+                  </a:extLst>
+                </p:cNvPr>
+                <p:cNvCxnSpPr>
+                  <a:cxnSpLocks/>
+                  <a:stCxn id="25" idx="3"/>
+                  <a:endCxn id="57" idx="1"/>
+                </p:cNvCxnSpPr>
+                <p:nvPr/>
+              </p:nvCxnSpPr>
+              <p:spPr>
+                <a:xfrm flipV="1">
+                  <a:off x="7839076" y="4564085"/>
+                  <a:ext cx="283368" cy="6892"/>
+                </a:xfrm>
+                <a:prstGeom prst="straightConnector1">
+                  <a:avLst/>
+                </a:prstGeom>
+                <a:ln>
+                  <a:tailEnd type="triangle"/>
+                </a:ln>
+              </p:spPr>
+              <p:style>
+                <a:lnRef idx="1">
+                  <a:schemeClr val="accent1"/>
+                </a:lnRef>
+                <a:fillRef idx="0">
+                  <a:schemeClr val="accent1"/>
+                </a:fillRef>
+                <a:effectRef idx="0">
+                  <a:schemeClr val="accent1"/>
+                </a:effectRef>
+                <a:fontRef idx="minor">
+                  <a:schemeClr val="tx1"/>
+                </a:fontRef>
+              </p:style>
+            </p:cxnSp>
+            <p:cxnSp>
+              <p:nvCxnSpPr>
+                <p:cNvPr id="60" name="Straight Arrow Connector 59">
+                  <a:extLst>
+                    <a:ext uri="{FF2B5EF4-FFF2-40B4-BE49-F238E27FC236}">
+                      <a16:creationId xmlns:a16="http://schemas.microsoft.com/office/drawing/2014/main" id="{2EBA6D5F-F04E-457B-81DA-006A67DA7573}"/>
+                    </a:ext>
+                  </a:extLst>
+                </p:cNvPr>
+                <p:cNvCxnSpPr>
+                  <a:cxnSpLocks/>
+                  <a:stCxn id="52" idx="2"/>
+                  <a:endCxn id="55" idx="0"/>
+                </p:cNvCxnSpPr>
+                <p:nvPr/>
+              </p:nvCxnSpPr>
+              <p:spPr>
+                <a:xfrm flipH="1">
+                  <a:off x="8929686" y="2073674"/>
+                  <a:ext cx="2380" cy="814663"/>
+                </a:xfrm>
+                <a:prstGeom prst="straightConnector1">
+                  <a:avLst/>
+                </a:prstGeom>
+                <a:ln>
+                  <a:headEnd type="triangle"/>
+                  <a:tailEnd type="triangle"/>
+                </a:ln>
+              </p:spPr>
+              <p:style>
+                <a:lnRef idx="1">
+                  <a:schemeClr val="accent1"/>
+                </a:lnRef>
+                <a:fillRef idx="0">
+                  <a:schemeClr val="accent1"/>
+                </a:fillRef>
+                <a:effectRef idx="0">
+                  <a:schemeClr val="accent1"/>
+                </a:effectRef>
+                <a:fontRef idx="minor">
+                  <a:schemeClr val="tx1"/>
+                </a:fontRef>
+              </p:style>
+            </p:cxnSp>
+            <p:cxnSp>
+              <p:nvCxnSpPr>
+                <p:cNvPr id="63" name="Straight Arrow Connector 62">
+                  <a:extLst>
+                    <a:ext uri="{FF2B5EF4-FFF2-40B4-BE49-F238E27FC236}">
+                      <a16:creationId xmlns:a16="http://schemas.microsoft.com/office/drawing/2014/main" id="{B71F51F5-0BD8-4BE0-B869-1B9781C69C6A}"/>
+                    </a:ext>
+                  </a:extLst>
+                </p:cNvPr>
+                <p:cNvCxnSpPr>
+                  <a:cxnSpLocks/>
+                  <a:stCxn id="55" idx="2"/>
+                  <a:endCxn id="57" idx="0"/>
+                </p:cNvCxnSpPr>
+                <p:nvPr/>
+              </p:nvCxnSpPr>
+              <p:spPr>
+                <a:xfrm>
+                  <a:off x="8929686" y="3483372"/>
+                  <a:ext cx="0" cy="783196"/>
+                </a:xfrm>
+                <a:prstGeom prst="straightConnector1">
+                  <a:avLst/>
+                </a:prstGeom>
+                <a:ln>
+                  <a:headEnd type="triangle"/>
+                  <a:tailEnd type="triangle"/>
+                </a:ln>
+              </p:spPr>
+              <p:style>
+                <a:lnRef idx="1">
+                  <a:schemeClr val="accent1"/>
+                </a:lnRef>
+                <a:fillRef idx="0">
+                  <a:schemeClr val="accent1"/>
+                </a:fillRef>
+                <a:effectRef idx="0">
+                  <a:schemeClr val="accent1"/>
+                </a:effectRef>
+                <a:fontRef idx="minor">
+                  <a:schemeClr val="tx1"/>
+                </a:fontRef>
+              </p:style>
+            </p:cxnSp>
+            <p:sp>
+              <p:nvSpPr>
+                <p:cNvPr id="69" name="Rectangle 68">
+                  <a:extLst>
+                    <a:ext uri="{FF2B5EF4-FFF2-40B4-BE49-F238E27FC236}">
+                      <a16:creationId xmlns:a16="http://schemas.microsoft.com/office/drawing/2014/main" id="{FB10A7A9-6F1B-4065-A7BA-F7F4E7D3DCCC}"/>
+                    </a:ext>
+                  </a:extLst>
+                </p:cNvPr>
+                <p:cNvSpPr/>
+                <p:nvPr/>
+              </p:nvSpPr>
+              <p:spPr>
+                <a:xfrm>
+                  <a:off x="10277191" y="1359371"/>
+                  <a:ext cx="1246870" cy="3652966"/>
+                </a:xfrm>
+                <a:prstGeom prst="rect">
+                  <a:avLst/>
+                </a:prstGeom>
+              </p:spPr>
+              <p:style>
+                <a:lnRef idx="2">
+                  <a:schemeClr val="accent1">
+                    <a:shade val="50000"/>
+                  </a:schemeClr>
+                </a:lnRef>
+                <a:fillRef idx="1">
+                  <a:schemeClr val="accent1"/>
+                </a:fillRef>
+                <a:effectRef idx="0">
+                  <a:schemeClr val="accent1"/>
+                </a:effectRef>
+                <a:fontRef idx="minor">
+                  <a:schemeClr val="lt1"/>
+                </a:fontRef>
+              </p:style>
+              <p:txBody>
+                <a:bodyPr rtlCol="0" anchor="ctr"/>
+                <a:lstStyle/>
+                <a:p>
+                  <a:pPr algn="ctr"/>
+                  <a:r>
+                    <a:rPr lang="en-GB" dirty="0"/>
+                    <a:t>End</a:t>
+                  </a:r>
+                </a:p>
+              </p:txBody>
+            </p:sp>
+            <p:cxnSp>
+              <p:nvCxnSpPr>
+                <p:cNvPr id="71" name="Connector: Elbow 70">
+                  <a:extLst>
+                    <a:ext uri="{FF2B5EF4-FFF2-40B4-BE49-F238E27FC236}">
+                      <a16:creationId xmlns:a16="http://schemas.microsoft.com/office/drawing/2014/main" id="{79AA6C7C-C560-4F49-AF8D-00C0967A9E49}"/>
+                    </a:ext>
+                  </a:extLst>
+                </p:cNvPr>
+                <p:cNvCxnSpPr>
+                  <a:cxnSpLocks/>
+                  <a:stCxn id="52" idx="3"/>
+                  <a:endCxn id="69" idx="1"/>
+                </p:cNvCxnSpPr>
+                <p:nvPr/>
+              </p:nvCxnSpPr>
+              <p:spPr>
+                <a:xfrm>
+                  <a:off x="9739309" y="1776157"/>
+                  <a:ext cx="537882" cy="1409697"/>
+                </a:xfrm>
+                <a:prstGeom prst="bentConnector3">
+                  <a:avLst/>
+                </a:prstGeom>
+                <a:ln>
+                  <a:tailEnd type="triangle"/>
+                </a:ln>
+              </p:spPr>
+              <p:style>
+                <a:lnRef idx="1">
+                  <a:schemeClr val="accent1"/>
+                </a:lnRef>
+                <a:fillRef idx="0">
+                  <a:schemeClr val="accent1"/>
+                </a:fillRef>
+                <a:effectRef idx="0">
+                  <a:schemeClr val="accent1"/>
+                </a:effectRef>
+                <a:fontRef idx="minor">
+                  <a:schemeClr val="tx1"/>
+                </a:fontRef>
+              </p:style>
+            </p:cxnSp>
+            <p:cxnSp>
+              <p:nvCxnSpPr>
+                <p:cNvPr id="73" name="Straight Arrow Connector 72">
+                  <a:extLst>
+                    <a:ext uri="{FF2B5EF4-FFF2-40B4-BE49-F238E27FC236}">
+                      <a16:creationId xmlns:a16="http://schemas.microsoft.com/office/drawing/2014/main" id="{6B66FF8C-A8A1-4D74-BF73-93C263DF4362}"/>
+                    </a:ext>
+                  </a:extLst>
+                </p:cNvPr>
+                <p:cNvCxnSpPr>
+                  <a:cxnSpLocks/>
+                  <a:stCxn id="55" idx="3"/>
+                  <a:endCxn id="69" idx="1"/>
+                </p:cNvCxnSpPr>
+                <p:nvPr/>
+              </p:nvCxnSpPr>
+              <p:spPr>
+                <a:xfrm>
+                  <a:off x="9736929" y="3185855"/>
+                  <a:ext cx="540262" cy="0"/>
+                </a:xfrm>
+                <a:prstGeom prst="straightConnector1">
+                  <a:avLst/>
+                </a:prstGeom>
+                <a:ln>
+                  <a:tailEnd type="triangle"/>
+                </a:ln>
+              </p:spPr>
+              <p:style>
+                <a:lnRef idx="1">
+                  <a:schemeClr val="accent1"/>
+                </a:lnRef>
+                <a:fillRef idx="0">
+                  <a:schemeClr val="accent1"/>
+                </a:fillRef>
+                <a:effectRef idx="0">
+                  <a:schemeClr val="accent1"/>
+                </a:effectRef>
+                <a:fontRef idx="minor">
+                  <a:schemeClr val="tx1"/>
+                </a:fontRef>
+              </p:style>
+            </p:cxnSp>
+            <p:cxnSp>
+              <p:nvCxnSpPr>
+                <p:cNvPr id="75" name="Connector: Elbow 74">
+                  <a:extLst>
+                    <a:ext uri="{FF2B5EF4-FFF2-40B4-BE49-F238E27FC236}">
+                      <a16:creationId xmlns:a16="http://schemas.microsoft.com/office/drawing/2014/main" id="{24F990D1-B137-4397-815D-5D6D879C273B}"/>
+                    </a:ext>
+                  </a:extLst>
+                </p:cNvPr>
+                <p:cNvCxnSpPr>
+                  <a:cxnSpLocks/>
+                  <a:stCxn id="57" idx="3"/>
+                  <a:endCxn id="69" idx="1"/>
+                </p:cNvCxnSpPr>
+                <p:nvPr/>
+              </p:nvCxnSpPr>
+              <p:spPr>
+                <a:xfrm flipV="1">
+                  <a:off x="9736929" y="3185855"/>
+                  <a:ext cx="540262" cy="1378230"/>
+                </a:xfrm>
+                <a:prstGeom prst="bentConnector3">
+                  <a:avLst/>
+                </a:prstGeom>
+                <a:ln>
+                  <a:tailEnd type="triangle"/>
+                </a:ln>
+              </p:spPr>
+              <p:style>
+                <a:lnRef idx="1">
+                  <a:schemeClr val="accent1"/>
+                </a:lnRef>
+                <a:fillRef idx="0">
+                  <a:schemeClr val="accent1"/>
+                </a:fillRef>
+                <a:effectRef idx="0">
+                  <a:schemeClr val="accent1"/>
+                </a:effectRef>
+                <a:fontRef idx="minor">
+                  <a:schemeClr val="tx1"/>
+                </a:fontRef>
+              </p:style>
+            </p:cxnSp>
+            <p:sp>
+              <p:nvSpPr>
+                <p:cNvPr id="79" name="TextBox 78">
+                  <a:extLst>
+                    <a:ext uri="{FF2B5EF4-FFF2-40B4-BE49-F238E27FC236}">
+                      <a16:creationId xmlns:a16="http://schemas.microsoft.com/office/drawing/2014/main" id="{4C0CD93F-7104-4B55-A2DF-613777E25302}"/>
+                    </a:ext>
+                  </a:extLst>
+                </p:cNvPr>
+                <p:cNvSpPr txBox="1"/>
+                <p:nvPr/>
+              </p:nvSpPr>
+              <p:spPr>
+                <a:xfrm>
+                  <a:off x="2665807" y="678425"/>
+                  <a:ext cx="2542341" cy="369332"/>
+                </a:xfrm>
+                <a:prstGeom prst="rect">
+                  <a:avLst/>
+                </a:prstGeom>
+                <a:noFill/>
+              </p:spPr>
+              <p:txBody>
+                <a:bodyPr wrap="square" rtlCol="0">
+                  <a:spAutoFit/>
+                </a:bodyPr>
+                <a:lstStyle/>
+                <a:p>
+                  <a:r>
+                    <a:rPr lang="en-GB" dirty="0"/>
+                    <a:t>Fetch new solution</a:t>
+                  </a:r>
+                </a:p>
+              </p:txBody>
+            </p:sp>
+            <p:sp>
+              <p:nvSpPr>
+                <p:cNvPr id="80" name="TextBox 79">
+                  <a:extLst>
+                    <a:ext uri="{FF2B5EF4-FFF2-40B4-BE49-F238E27FC236}">
+                      <a16:creationId xmlns:a16="http://schemas.microsoft.com/office/drawing/2014/main" id="{21A5B897-4DF8-4055-9461-64A2EEA7BA8C}"/>
+                    </a:ext>
+                  </a:extLst>
+                </p:cNvPr>
+                <p:cNvSpPr txBox="1"/>
+                <p:nvPr/>
+              </p:nvSpPr>
+              <p:spPr>
+                <a:xfrm>
+                  <a:off x="7218276" y="1106855"/>
+                  <a:ext cx="1711410" cy="369331"/>
+                </a:xfrm>
+                <a:prstGeom prst="rect">
+                  <a:avLst/>
+                </a:prstGeom>
+                <a:noFill/>
+              </p:spPr>
+              <p:txBody>
+                <a:bodyPr wrap="square" rtlCol="0">
+                  <a:spAutoFit/>
+                </a:bodyPr>
+                <a:lstStyle/>
+                <a:p>
+                  <a:r>
+                    <a:rPr lang="en-GB" dirty="0"/>
+                    <a:t>Solution passed</a:t>
+                  </a:r>
+                </a:p>
+              </p:txBody>
+            </p:sp>
+          </p:grpSp>
+          <p:cxnSp>
+            <p:nvCxnSpPr>
+              <p:cNvPr id="83" name="Straight Connector 82">
+                <a:extLst>
+                  <a:ext uri="{FF2B5EF4-FFF2-40B4-BE49-F238E27FC236}">
+                    <a16:creationId xmlns:a16="http://schemas.microsoft.com/office/drawing/2014/main" id="{D82BC7F6-62F5-4CB9-BA66-7FC39AE9D433}"/>
+                  </a:ext>
+                </a:extLst>
+              </p:cNvPr>
+              <p:cNvCxnSpPr/>
+              <p:nvPr/>
+            </p:nvCxnSpPr>
+            <p:spPr>
+              <a:xfrm>
+                <a:off x="2774899" y="2323070"/>
+                <a:ext cx="7552743" cy="0"/>
+              </a:xfrm>
+              <a:prstGeom prst="line">
+                <a:avLst/>
+              </a:prstGeom>
+              <a:ln w="38100">
+                <a:solidFill>
+                  <a:srgbClr val="FF0000"/>
+                </a:solidFill>
+              </a:ln>
+            </p:spPr>
+            <p:style>
+              <a:lnRef idx="1">
+                <a:schemeClr val="accent1"/>
+              </a:lnRef>
+              <a:fillRef idx="0">
+                <a:schemeClr val="accent1"/>
+              </a:fillRef>
+              <a:effectRef idx="0">
+                <a:schemeClr val="accent1"/>
+              </a:effectRef>
+              <a:fontRef idx="minor">
+                <a:schemeClr val="tx1"/>
+              </a:fontRef>
+            </p:style>
+          </p:cxnSp>
+          <p:cxnSp>
+            <p:nvCxnSpPr>
+              <p:cNvPr id="84" name="Straight Connector 83">
+                <a:extLst>
+                  <a:ext uri="{FF2B5EF4-FFF2-40B4-BE49-F238E27FC236}">
+                    <a16:creationId xmlns:a16="http://schemas.microsoft.com/office/drawing/2014/main" id="{A19DBE8A-64A9-4B4F-87CE-E83B8ACAB317}"/>
+                  </a:ext>
+                </a:extLst>
+              </p:cNvPr>
+              <p:cNvCxnSpPr/>
+              <p:nvPr/>
+            </p:nvCxnSpPr>
+            <p:spPr>
+              <a:xfrm>
+                <a:off x="2765552" y="3760573"/>
+                <a:ext cx="7552743" cy="0"/>
+              </a:xfrm>
+              <a:prstGeom prst="line">
+                <a:avLst/>
+              </a:prstGeom>
+              <a:ln w="38100">
+                <a:solidFill>
+                  <a:srgbClr val="FF0000"/>
+                </a:solidFill>
+              </a:ln>
+            </p:spPr>
+            <p:style>
+              <a:lnRef idx="1">
+                <a:schemeClr val="accent1"/>
+              </a:lnRef>
+              <a:fillRef idx="0">
+                <a:schemeClr val="accent1"/>
+              </a:fillRef>
+              <a:effectRef idx="0">
+                <a:schemeClr val="accent1"/>
+              </a:effectRef>
+              <a:fontRef idx="minor">
+                <a:schemeClr val="tx1"/>
+              </a:fontRef>
+            </p:style>
+          </p:cxnSp>
+        </p:grpSp>
+        <p:sp>
+          <p:nvSpPr>
+            <p:cNvPr id="88" name="Rectangle 87">
+              <a:extLst>
+                <a:ext uri="{FF2B5EF4-FFF2-40B4-BE49-F238E27FC236}">
+                  <a16:creationId xmlns:a16="http://schemas.microsoft.com/office/drawing/2014/main" id="{C392442F-8BD7-4C94-83A2-A2B0EF63A0FB}"/>
+                </a:ext>
+              </a:extLst>
+            </p:cNvPr>
+            <p:cNvSpPr/>
+            <p:nvPr/>
+          </p:nvSpPr>
+          <p:spPr>
+            <a:xfrm>
+              <a:off x="4110355" y="2529867"/>
+              <a:ext cx="1803051" cy="212852"/>
+            </a:xfrm>
+            <a:prstGeom prst="rect">
+              <a:avLst/>
+            </a:prstGeom>
+          </p:spPr>
+          <p:style>
+            <a:lnRef idx="2">
+              <a:schemeClr val="accent1">
+                <a:shade val="50000"/>
+              </a:schemeClr>
+            </a:lnRef>
+            <a:fillRef idx="1">
+              <a:schemeClr val="accent1"/>
+            </a:fillRef>
+            <a:effectRef idx="0">
+              <a:schemeClr val="accent1"/>
+            </a:effectRef>
+            <a:fontRef idx="minor">
+              <a:schemeClr val="lt1"/>
+            </a:fontRef>
+          </p:style>
+          <p:txBody>
+            <a:bodyPr rtlCol="0" anchor="ctr"/>
+            <a:lstStyle/>
+            <a:p>
+              <a:pPr algn="ctr"/>
+              <a:r>
+                <a:rPr lang="en-GB" sz="1100" dirty="0"/>
+                <a:t>Check Done signal</a:t>
+              </a:r>
+            </a:p>
+          </p:txBody>
+        </p:sp>
+        <p:sp>
+          <p:nvSpPr>
+            <p:cNvPr id="89" name="Rectangle 88">
+              <a:extLst>
+                <a:ext uri="{FF2B5EF4-FFF2-40B4-BE49-F238E27FC236}">
+                  <a16:creationId xmlns:a16="http://schemas.microsoft.com/office/drawing/2014/main" id="{573DE89E-6EB7-44EA-B421-1D69E199F74B}"/>
+                </a:ext>
+              </a:extLst>
+            </p:cNvPr>
+            <p:cNvSpPr/>
+            <p:nvPr/>
+          </p:nvSpPr>
+          <p:spPr>
+            <a:xfrm>
+              <a:off x="4110355" y="3985585"/>
+              <a:ext cx="1803051" cy="212852"/>
+            </a:xfrm>
+            <a:prstGeom prst="rect">
+              <a:avLst/>
+            </a:prstGeom>
+          </p:spPr>
+          <p:style>
+            <a:lnRef idx="2">
+              <a:schemeClr val="accent1">
+                <a:shade val="50000"/>
+              </a:schemeClr>
+            </a:lnRef>
+            <a:fillRef idx="1">
+              <a:schemeClr val="accent1"/>
+            </a:fillRef>
+            <a:effectRef idx="0">
+              <a:schemeClr val="accent1"/>
+            </a:effectRef>
+            <a:fontRef idx="minor">
+              <a:schemeClr val="lt1"/>
+            </a:fontRef>
+          </p:style>
+          <p:txBody>
+            <a:bodyPr rtlCol="0" anchor="ctr"/>
+            <a:lstStyle/>
+            <a:p>
+              <a:pPr algn="ctr"/>
+              <a:r>
+                <a:rPr lang="en-GB" sz="1100" dirty="0"/>
+                <a:t>Check Done signal</a:t>
+              </a:r>
+            </a:p>
+          </p:txBody>
+        </p:sp>
+        <p:sp>
+          <p:nvSpPr>
+            <p:cNvPr id="91" name="Rectangle 90">
+              <a:extLst>
+                <a:ext uri="{FF2B5EF4-FFF2-40B4-BE49-F238E27FC236}">
+                  <a16:creationId xmlns:a16="http://schemas.microsoft.com/office/drawing/2014/main" id="{99B738B1-6EBF-481C-9E5B-B81F6E78846C}"/>
+                </a:ext>
+              </a:extLst>
+            </p:cNvPr>
+            <p:cNvSpPr/>
+            <p:nvPr/>
+          </p:nvSpPr>
+          <p:spPr>
+            <a:xfrm>
+              <a:off x="4110356" y="1171660"/>
+              <a:ext cx="1803051" cy="212852"/>
+            </a:xfrm>
+            <a:prstGeom prst="rect">
+              <a:avLst/>
+            </a:prstGeom>
+          </p:spPr>
+          <p:style>
+            <a:lnRef idx="2">
+              <a:schemeClr val="accent1">
+                <a:shade val="50000"/>
+              </a:schemeClr>
+            </a:lnRef>
+            <a:fillRef idx="1">
+              <a:schemeClr val="accent1"/>
+            </a:fillRef>
+            <a:effectRef idx="0">
+              <a:schemeClr val="accent1"/>
+            </a:effectRef>
+            <a:fontRef idx="minor">
+              <a:schemeClr val="lt1"/>
+            </a:fontRef>
+          </p:style>
+          <p:txBody>
+            <a:bodyPr rtlCol="0" anchor="ctr"/>
+            <a:lstStyle/>
+            <a:p>
+              <a:pPr algn="ctr"/>
+              <a:r>
+                <a:rPr lang="en-GB" sz="1100" dirty="0"/>
+                <a:t>Check Done signal</a:t>
+              </a:r>
+            </a:p>
+          </p:txBody>
+        </p:sp>
+        <p:cxnSp>
+          <p:nvCxnSpPr>
+            <p:cNvPr id="93" name="Connector: Elbow 92">
+              <a:extLst>
+                <a:ext uri="{FF2B5EF4-FFF2-40B4-BE49-F238E27FC236}">
+                  <a16:creationId xmlns:a16="http://schemas.microsoft.com/office/drawing/2014/main" id="{60E892F9-5B98-4CA4-B8ED-CA863E2C0C88}"/>
+                </a:ext>
+              </a:extLst>
+            </p:cNvPr>
+            <p:cNvCxnSpPr>
+              <a:stCxn id="91" idx="0"/>
+              <a:endCxn id="69" idx="0"/>
+            </p:cNvCxnSpPr>
+            <p:nvPr/>
+          </p:nvCxnSpPr>
+          <p:spPr>
+            <a:xfrm rot="16200000" flipH="1">
+              <a:off x="7811721" y="-1628180"/>
+              <a:ext cx="309617" cy="5909296"/>
+            </a:xfrm>
+            <a:prstGeom prst="bentConnector3">
+              <a:avLst>
+                <a:gd name="adj1" fmla="val -73833"/>
+              </a:avLst>
+            </a:prstGeom>
+            <a:ln>
+              <a:tailEnd type="triangle"/>
+            </a:ln>
+          </p:spPr>
+          <p:style>
+            <a:lnRef idx="1">
+              <a:schemeClr val="accent1"/>
+            </a:lnRef>
+            <a:fillRef idx="0">
+              <a:schemeClr val="accent1"/>
+            </a:fillRef>
+            <a:effectRef idx="0">
+              <a:schemeClr val="accent1"/>
+            </a:effectRef>
+            <a:fontRef idx="minor">
+              <a:schemeClr val="tx1"/>
+            </a:fontRef>
+          </p:style>
+        </p:cxnSp>
+        <p:cxnSp>
+          <p:nvCxnSpPr>
+            <p:cNvPr id="95" name="Connector: Elbow 94">
+              <a:extLst>
+                <a:ext uri="{FF2B5EF4-FFF2-40B4-BE49-F238E27FC236}">
+                  <a16:creationId xmlns:a16="http://schemas.microsoft.com/office/drawing/2014/main" id="{2DB338CC-9044-4BD4-BF70-6280F792AC64}"/>
+                </a:ext>
+              </a:extLst>
+            </p:cNvPr>
+            <p:cNvCxnSpPr>
+              <a:cxnSpLocks/>
+              <a:stCxn id="89" idx="0"/>
+            </p:cNvCxnSpPr>
+            <p:nvPr/>
+          </p:nvCxnSpPr>
+          <p:spPr>
+            <a:xfrm rot="16200000" flipH="1">
+              <a:off x="7481961" y="1515505"/>
+              <a:ext cx="105028" cy="5045188"/>
+            </a:xfrm>
+            <a:prstGeom prst="bentConnector4">
+              <a:avLst>
+                <a:gd name="adj1" fmla="val -107846"/>
+                <a:gd name="adj2" fmla="val 58934"/>
+              </a:avLst>
+            </a:prstGeom>
+            <a:ln>
+              <a:tailEnd type="triangle"/>
+            </a:ln>
+          </p:spPr>
+          <p:style>
+            <a:lnRef idx="1">
+              <a:schemeClr val="accent1"/>
+            </a:lnRef>
+            <a:fillRef idx="0">
+              <a:schemeClr val="accent1"/>
+            </a:fillRef>
+            <a:effectRef idx="0">
+              <a:schemeClr val="accent1"/>
+            </a:effectRef>
+            <a:fontRef idx="minor">
+              <a:schemeClr val="tx1"/>
+            </a:fontRef>
+          </p:style>
+        </p:cxnSp>
+        <p:cxnSp>
+          <p:nvCxnSpPr>
+            <p:cNvPr id="99" name="Connector: Elbow 98">
+              <a:extLst>
+                <a:ext uri="{FF2B5EF4-FFF2-40B4-BE49-F238E27FC236}">
+                  <a16:creationId xmlns:a16="http://schemas.microsoft.com/office/drawing/2014/main" id="{BCBF6795-8282-4542-AF47-B082E635591D}"/>
+                </a:ext>
+              </a:extLst>
+            </p:cNvPr>
+            <p:cNvCxnSpPr>
+              <a:cxnSpLocks/>
+              <a:stCxn id="88" idx="0"/>
+            </p:cNvCxnSpPr>
+            <p:nvPr/>
+          </p:nvCxnSpPr>
+          <p:spPr>
+            <a:xfrm rot="16200000" flipH="1">
+              <a:off x="7481262" y="60486"/>
+              <a:ext cx="106426" cy="5045188"/>
+            </a:xfrm>
+            <a:prstGeom prst="bentConnector4">
+              <a:avLst>
+                <a:gd name="adj1" fmla="val -75470"/>
+                <a:gd name="adj2" fmla="val 58934"/>
+              </a:avLst>
+            </a:prstGeom>
+            <a:ln>
+              <a:tailEnd type="triangle"/>
+            </a:ln>
+          </p:spPr>
+          <p:style>
+            <a:lnRef idx="1">
+              <a:schemeClr val="accent1"/>
+            </a:lnRef>
+            <a:fillRef idx="0">
+              <a:schemeClr val="accent1"/>
+            </a:fillRef>
+            <a:effectRef idx="0">
+              <a:schemeClr val="accent1"/>
+            </a:effectRef>
+            <a:fontRef idx="minor">
+              <a:schemeClr val="tx1"/>
+            </a:fontRef>
+          </p:style>
+        </p:cxnSp>
+        <p:cxnSp>
+          <p:nvCxnSpPr>
+            <p:cNvPr id="102" name="Connector: Elbow 101">
+              <a:extLst>
+                <a:ext uri="{FF2B5EF4-FFF2-40B4-BE49-F238E27FC236}">
+                  <a16:creationId xmlns:a16="http://schemas.microsoft.com/office/drawing/2014/main" id="{33BF3F00-1CE2-4D21-9D4F-1C6682018949}"/>
+                </a:ext>
+              </a:extLst>
+            </p:cNvPr>
+            <p:cNvCxnSpPr>
+              <a:cxnSpLocks/>
+              <a:stCxn id="23" idx="0"/>
+              <a:endCxn id="88" idx="3"/>
+            </p:cNvCxnSpPr>
+            <p:nvPr/>
+          </p:nvCxnSpPr>
+          <p:spPr>
+            <a:xfrm rot="16200000" flipV="1">
+              <a:off x="6342135" y="2207565"/>
+              <a:ext cx="418273" cy="1275729"/>
+            </a:xfrm>
+            <a:prstGeom prst="bentConnector2">
+              <a:avLst/>
+            </a:prstGeom>
+            <a:ln>
+              <a:tailEnd type="triangle"/>
+            </a:ln>
+          </p:spPr>
+          <p:style>
+            <a:lnRef idx="1">
+              <a:schemeClr val="accent1"/>
+            </a:lnRef>
+            <a:fillRef idx="0">
+              <a:schemeClr val="accent1"/>
+            </a:fillRef>
+            <a:effectRef idx="0">
+              <a:schemeClr val="accent1"/>
+            </a:effectRef>
+            <a:fontRef idx="minor">
+              <a:schemeClr val="tx1"/>
+            </a:fontRef>
+          </p:style>
+        </p:cxnSp>
+        <p:cxnSp>
+          <p:nvCxnSpPr>
+            <p:cNvPr id="108" name="Connector: Elbow 107">
+              <a:extLst>
+                <a:ext uri="{FF2B5EF4-FFF2-40B4-BE49-F238E27FC236}">
+                  <a16:creationId xmlns:a16="http://schemas.microsoft.com/office/drawing/2014/main" id="{8CB590B1-3FD1-4364-874B-4B2C34C5D950}"/>
+                </a:ext>
+              </a:extLst>
+            </p:cNvPr>
+            <p:cNvCxnSpPr>
+              <a:cxnSpLocks/>
+              <a:stCxn id="20" idx="0"/>
+              <a:endCxn id="91" idx="3"/>
+            </p:cNvCxnSpPr>
+            <p:nvPr/>
+          </p:nvCxnSpPr>
+          <p:spPr>
+            <a:xfrm rot="16200000" flipV="1">
+              <a:off x="6340039" y="851454"/>
+              <a:ext cx="413254" cy="1266518"/>
+            </a:xfrm>
+            <a:prstGeom prst="bentConnector2">
+              <a:avLst/>
+            </a:prstGeom>
+            <a:ln>
+              <a:tailEnd type="triangle"/>
+            </a:ln>
+          </p:spPr>
+          <p:style>
+            <a:lnRef idx="1">
+              <a:schemeClr val="accent1"/>
+            </a:lnRef>
+            <a:fillRef idx="0">
+              <a:schemeClr val="accent1"/>
+            </a:fillRef>
+            <a:effectRef idx="0">
+              <a:schemeClr val="accent1"/>
+            </a:effectRef>
+            <a:fontRef idx="minor">
+              <a:schemeClr val="tx1"/>
+            </a:fontRef>
+          </p:style>
+        </p:cxnSp>
+        <p:cxnSp>
+          <p:nvCxnSpPr>
+            <p:cNvPr id="110" name="Connector: Elbow 109">
+              <a:extLst>
+                <a:ext uri="{FF2B5EF4-FFF2-40B4-BE49-F238E27FC236}">
+                  <a16:creationId xmlns:a16="http://schemas.microsoft.com/office/drawing/2014/main" id="{CBD811A5-647D-4FC9-817B-2F026ED5B57B}"/>
+                </a:ext>
+              </a:extLst>
+            </p:cNvPr>
+            <p:cNvCxnSpPr>
+              <a:cxnSpLocks/>
+              <a:stCxn id="25" idx="0"/>
+              <a:endCxn id="89" idx="3"/>
+            </p:cNvCxnSpPr>
+            <p:nvPr/>
+          </p:nvCxnSpPr>
+          <p:spPr>
+            <a:xfrm rot="16200000" flipV="1">
+              <a:off x="6395659" y="3609759"/>
+              <a:ext cx="302013" cy="1266518"/>
+            </a:xfrm>
+            <a:prstGeom prst="bentConnector2">
+              <a:avLst/>
+            </a:prstGeom>
+            <a:ln>
+              <a:tailEnd type="triangle"/>
+            </a:ln>
+          </p:spPr>
+          <p:style>
+            <a:lnRef idx="1">
+              <a:schemeClr val="accent1"/>
+            </a:lnRef>
+            <a:fillRef idx="0">
+              <a:schemeClr val="accent1"/>
+            </a:fillRef>
+            <a:effectRef idx="0">
+              <a:schemeClr val="accent1"/>
+            </a:effectRef>
+            <a:fontRef idx="minor">
+              <a:schemeClr val="tx1"/>
+            </a:fontRef>
+          </p:style>
+        </p:cxnSp>
+      </p:grpSp>
     </p:spTree>
     <p:extLst>
       <p:ext uri="{BB962C8B-B14F-4D97-AF65-F5344CB8AC3E}">
